--- a/DL_course.pptx
+++ b/DL_course.pptx
@@ -22,8 +22,8 @@
     <p:sldId id="280" r:id="rId13"/>
     <p:sldId id="281" r:id="rId14"/>
     <p:sldId id="283" r:id="rId15"/>
-    <p:sldId id="284" r:id="rId16"/>
-    <p:sldId id="296" r:id="rId17"/>
+    <p:sldId id="296" r:id="rId16"/>
+    <p:sldId id="310" r:id="rId17"/>
     <p:sldId id="297" r:id="rId18"/>
     <p:sldId id="295" r:id="rId19"/>
     <p:sldId id="299" r:id="rId20"/>
@@ -505,7 +505,7 @@
           <a:p>
             <a:fld id="{5BA66907-C9CB-4193-9834-58A345F7872F}" type="datetimeFigureOut">
               <a:rPr lang="en-US" smtClean="0"/>
-              <a:t>1/31/2020</a:t>
+              <a:t>2/13/2020</a:t>
             </a:fld>
             <a:endParaRPr lang="en-US"/>
           </a:p>
@@ -10526,12 +10526,89 @@
           <a:chExt cx="0" cy="0"/>
         </a:xfrm>
       </p:grpSpPr>
+      <p:sp>
+        <p:nvSpPr>
+          <p:cNvPr id="3" name="Text Placeholder 2">
+            <a:extLst>
+              <a:ext uri="{FF2B5EF4-FFF2-40B4-BE49-F238E27FC236}">
+                <a16:creationId xmlns:a16="http://schemas.microsoft.com/office/drawing/2014/main" id="{3A02FC7B-89F4-47A4-82F7-23AE74151938}"/>
+              </a:ext>
+            </a:extLst>
+          </p:cNvPr>
+          <p:cNvSpPr>
+            <a:spLocks noGrp="1"/>
+          </p:cNvSpPr>
+          <p:nvPr>
+            <p:ph type="body" sz="quarter" idx="12"/>
+          </p:nvPr>
+        </p:nvSpPr>
+        <p:spPr>
+          <a:xfrm>
+            <a:off x="833718" y="507916"/>
+            <a:ext cx="6743693" cy="300664"/>
+          </a:xfrm>
+          <a:prstGeom prst="rect">
+            <a:avLst/>
+          </a:prstGeom>
+        </p:spPr>
+        <p:txBody>
+          <a:bodyPr/>
+          <a:lstStyle/>
+          <a:p>
+            <a:r>
+              <a:rPr lang="en-US" sz="3200" dirty="0"/>
+              <a:t>2. Tensorflow for beginners</a:t>
+            </a:r>
+          </a:p>
+        </p:txBody>
+      </p:sp>
+      <p:sp>
+        <p:nvSpPr>
+          <p:cNvPr id="13" name="TextBox 12">
+            <a:extLst>
+              <a:ext uri="{FF2B5EF4-FFF2-40B4-BE49-F238E27FC236}">
+                <a16:creationId xmlns:a16="http://schemas.microsoft.com/office/drawing/2014/main" id="{1F5DFE5C-4663-44DE-8021-C88C9DFD20B9}"/>
+              </a:ext>
+            </a:extLst>
+          </p:cNvPr>
+          <p:cNvSpPr txBox="1"/>
+          <p:nvPr/>
+        </p:nvSpPr>
+        <p:spPr>
+          <a:xfrm>
+            <a:off x="833718" y="1002229"/>
+            <a:ext cx="9386728" cy="1032759"/>
+          </a:xfrm>
+          <a:prstGeom prst="rect">
+            <a:avLst/>
+          </a:prstGeom>
+          <a:noFill/>
+        </p:spPr>
+        <p:txBody>
+          <a:bodyPr wrap="square" lIns="72000" tIns="72000" rIns="72000" bIns="72000" rtlCol="0">
+            <a:noAutofit/>
+          </a:bodyPr>
+          <a:lstStyle/>
+          <a:p>
+            <a:pPr>
+              <a:spcAft>
+                <a:spcPts val="300"/>
+              </a:spcAft>
+              <a:buSzPct val="100000"/>
+            </a:pPr>
+            <a:r>
+              <a:rPr lang="en-US" sz="2400" dirty="0"/>
+              <a:t>Preparing the dataset</a:t>
+            </a:r>
+          </a:p>
+        </p:txBody>
+      </p:sp>
       <p:pic>
         <p:nvPicPr>
-          <p:cNvPr id="4" name="Picture 3">
-            <a:extLst>
-              <a:ext uri="{FF2B5EF4-FFF2-40B4-BE49-F238E27FC236}">
-                <a16:creationId xmlns:a16="http://schemas.microsoft.com/office/drawing/2014/main" id="{1F0BFE16-FCB4-4B76-B301-DD980EA698A8}"/>
+          <p:cNvPr id="2" name="Picture 1">
+            <a:extLst>
+              <a:ext uri="{FF2B5EF4-FFF2-40B4-BE49-F238E27FC236}">
+                <a16:creationId xmlns:a16="http://schemas.microsoft.com/office/drawing/2014/main" id="{8CC21C6E-3E66-4AF7-9B89-D8183897A82C}"/>
               </a:ext>
             </a:extLst>
           </p:cNvPr>
@@ -10548,205 +10625,18 @@
         </p:blipFill>
         <p:spPr>
           <a:xfrm>
-            <a:off x="2431452" y="2612318"/>
-            <a:ext cx="9006214" cy="2648886"/>
+            <a:off x="833718" y="1595313"/>
+            <a:ext cx="9725723" cy="4581261"/>
           </a:xfrm>
           <a:prstGeom prst="rect">
             <a:avLst/>
           </a:prstGeom>
-        </p:spPr>
-      </p:pic>
-      <p:sp>
-        <p:nvSpPr>
-          <p:cNvPr id="3" name="Text Placeholder 2">
-            <a:extLst>
-              <a:ext uri="{FF2B5EF4-FFF2-40B4-BE49-F238E27FC236}">
-                <a16:creationId xmlns:a16="http://schemas.microsoft.com/office/drawing/2014/main" id="{3A02FC7B-89F4-47A4-82F7-23AE74151938}"/>
-              </a:ext>
-            </a:extLst>
-          </p:cNvPr>
-          <p:cNvSpPr>
-            <a:spLocks noGrp="1"/>
-          </p:cNvSpPr>
-          <p:nvPr>
-            <p:ph type="body" sz="quarter" idx="12"/>
-          </p:nvPr>
-        </p:nvSpPr>
-        <p:spPr>
-          <a:xfrm>
-            <a:off x="833718" y="507916"/>
-            <a:ext cx="6743693" cy="300664"/>
-          </a:xfrm>
-          <a:prstGeom prst="rect">
-            <a:avLst/>
-          </a:prstGeom>
-        </p:spPr>
-        <p:txBody>
-          <a:bodyPr/>
-          <a:lstStyle/>
-          <a:p>
-            <a:r>
-              <a:rPr lang="en-US" sz="3200" dirty="0"/>
-              <a:t>2. Tensorflow for beginners</a:t>
-            </a:r>
-          </a:p>
-        </p:txBody>
-      </p:sp>
-      <p:sp>
-        <p:nvSpPr>
-          <p:cNvPr id="13" name="TextBox 12">
-            <a:extLst>
-              <a:ext uri="{FF2B5EF4-FFF2-40B4-BE49-F238E27FC236}">
-                <a16:creationId xmlns:a16="http://schemas.microsoft.com/office/drawing/2014/main" id="{1F5DFE5C-4663-44DE-8021-C88C9DFD20B9}"/>
-              </a:ext>
-            </a:extLst>
-          </p:cNvPr>
-          <p:cNvSpPr txBox="1"/>
-          <p:nvPr/>
-        </p:nvSpPr>
-        <p:spPr>
-          <a:xfrm>
-            <a:off x="833718" y="1002229"/>
-            <a:ext cx="9386728" cy="1032759"/>
-          </a:xfrm>
-          <a:prstGeom prst="rect">
-            <a:avLst/>
-          </a:prstGeom>
-          <a:noFill/>
-        </p:spPr>
-        <p:txBody>
-          <a:bodyPr wrap="square" lIns="72000" tIns="72000" rIns="72000" bIns="72000" rtlCol="0">
-            <a:noAutofit/>
-          </a:bodyPr>
-          <a:lstStyle/>
-          <a:p>
-            <a:pPr>
-              <a:spcAft>
-                <a:spcPts val="300"/>
-              </a:spcAft>
-              <a:buSzPct val="100000"/>
-            </a:pPr>
-            <a:r>
-              <a:rPr lang="en-US" sz="2400" b="1" dirty="0"/>
-              <a:t>Let’s play with MNIST </a:t>
-            </a:r>
-            <a:r>
-              <a:rPr lang="en-US" sz="2400" dirty="0"/>
-              <a:t>: A large database of handwritten digits</a:t>
-            </a:r>
-          </a:p>
-          <a:p>
-            <a:pPr>
-              <a:spcAft>
-                <a:spcPts val="300"/>
-              </a:spcAft>
-              <a:buSzPct val="100000"/>
-            </a:pPr>
-            <a:r>
-              <a:rPr lang="en-US" sz="2400" b="1" dirty="0"/>
-              <a:t>Goal </a:t>
-            </a:r>
-            <a:r>
-              <a:rPr lang="en-US" sz="2400" dirty="0"/>
-              <a:t>: predict the digit given an image </a:t>
-            </a:r>
-          </a:p>
-        </p:txBody>
-      </p:sp>
-      <p:pic>
-        <p:nvPicPr>
-          <p:cNvPr id="5124" name="Picture 4" descr="Résultat de recherche d'images pour &quot;mnist&quot;&quot;">
-            <a:extLst>
-              <a:ext uri="{FF2B5EF4-FFF2-40B4-BE49-F238E27FC236}">
-                <a16:creationId xmlns:a16="http://schemas.microsoft.com/office/drawing/2014/main" id="{F2331911-8A3F-4C73-8B64-1636AF105DCC}"/>
-              </a:ext>
-            </a:extLst>
-          </p:cNvPr>
-          <p:cNvPicPr>
-            <a:picLocks noChangeAspect="1" noChangeArrowheads="1"/>
-          </p:cNvPicPr>
-          <p:nvPr/>
-        </p:nvPicPr>
-        <p:blipFill rotWithShape="1">
-          <a:blip r:embed="rId3">
-            <a:extLst>
-              <a:ext uri="{28A0092B-C50C-407E-A947-70E740481C1C}">
-                <a14:useLocalDpi xmlns:a14="http://schemas.microsoft.com/office/drawing/2010/main" val="0"/>
-              </a:ext>
-            </a:extLst>
-          </a:blip>
-          <a:srcRect l="79612"/>
-          <a:stretch/>
-        </p:blipFill>
-        <p:spPr bwMode="auto">
-          <a:xfrm>
-            <a:off x="10984274" y="2228637"/>
-            <a:ext cx="906784" cy="3032567"/>
-          </a:xfrm>
-          <a:prstGeom prst="rect">
-            <a:avLst/>
-          </a:prstGeom>
-          <a:noFill/>
-          <a:extLst>
-            <a:ext uri="{909E8E84-426E-40DD-AFC4-6F175D3DCCD1}">
-              <a14:hiddenFill xmlns:a14="http://schemas.microsoft.com/office/drawing/2010/main">
-                <a:solidFill>
-                  <a:srgbClr val="FFFFFF"/>
-                </a:solidFill>
-              </a14:hiddenFill>
-            </a:ext>
-          </a:extLst>
-        </p:spPr>
-      </p:pic>
-      <p:pic>
-        <p:nvPicPr>
-          <p:cNvPr id="5126" name="Picture 6" descr="Résultat de recherche d'images pour &quot;mnist&quot;&quot;">
-            <a:extLst>
-              <a:ext uri="{FF2B5EF4-FFF2-40B4-BE49-F238E27FC236}">
-                <a16:creationId xmlns:a16="http://schemas.microsoft.com/office/drawing/2014/main" id="{4FB31DA7-C486-44B5-8CDB-1C4A7C7E8FE5}"/>
-              </a:ext>
-            </a:extLst>
-          </p:cNvPr>
-          <p:cNvPicPr>
-            <a:picLocks noChangeAspect="1" noChangeArrowheads="1"/>
-          </p:cNvPicPr>
-          <p:nvPr/>
-        </p:nvPicPr>
-        <p:blipFill rotWithShape="1">
-          <a:blip r:embed="rId4">
-            <a:extLst>
-              <a:ext uri="{28A0092B-C50C-407E-A947-70E740481C1C}">
-                <a14:useLocalDpi xmlns:a14="http://schemas.microsoft.com/office/drawing/2010/main" val="0"/>
-              </a:ext>
-            </a:extLst>
-          </a:blip>
-          <a:srcRect l="9093" t="6593" r="8659" b="3030"/>
-          <a:stretch/>
-        </p:blipFill>
-        <p:spPr bwMode="auto">
-          <a:xfrm>
-            <a:off x="324090" y="3032255"/>
-            <a:ext cx="2303362" cy="1898249"/>
-          </a:xfrm>
-          <a:prstGeom prst="rect">
-            <a:avLst/>
-          </a:prstGeom>
-          <a:noFill/>
-          <a:extLst>
-            <a:ext uri="{909E8E84-426E-40DD-AFC4-6F175D3DCCD1}">
-              <a14:hiddenFill xmlns:a14="http://schemas.microsoft.com/office/drawing/2010/main">
-                <a:solidFill>
-                  <a:srgbClr val="FFFFFF"/>
-                </a:solidFill>
-              </a14:hiddenFill>
-            </a:ext>
-          </a:extLst>
         </p:spPr>
       </p:pic>
     </p:spTree>
     <p:extLst>
       <p:ext uri="{BB962C8B-B14F-4D97-AF65-F5344CB8AC3E}">
-        <p14:creationId xmlns:p14="http://schemas.microsoft.com/office/powerpoint/2010/main" val="2633243117"/>
+        <p14:creationId xmlns:p14="http://schemas.microsoft.com/office/powerpoint/2010/main" val="4060099433"/>
       </p:ext>
     </p:extLst>
   </p:cSld>
@@ -10883,7 +10773,7 @@
     </p:spTree>
     <p:extLst>
       <p:ext uri="{BB962C8B-B14F-4D97-AF65-F5344CB8AC3E}">
-        <p14:creationId xmlns:p14="http://schemas.microsoft.com/office/powerpoint/2010/main" val="4060099433"/>
+        <p14:creationId xmlns:p14="http://schemas.microsoft.com/office/powerpoint/2010/main" val="2516909956"/>
       </p:ext>
     </p:extLst>
   </p:cSld>
@@ -27074,7 +26964,7 @@
                 <a:ea typeface="+mn-ea"/>
                 <a:cs typeface="+mn-cs"/>
               </a:rPr>
-              <a:t>Image 1</a:t>
+              <a:t>Vector 1</a:t>
             </a:r>
           </a:p>
         </p:txBody>
@@ -27139,7 +27029,7 @@
                 <a:ea typeface="+mn-ea"/>
                 <a:cs typeface="+mn-cs"/>
               </a:rPr>
-              <a:t>Image 2</a:t>
+              <a:t>Vector 2</a:t>
             </a:r>
           </a:p>
         </p:txBody>
@@ -27189,6 +27079,15 @@
               <a:tabLst/>
               <a:defRPr/>
             </a:pPr>
+            <a:r>
+              <a:rPr lang="en-US" sz="2000" dirty="0">
+                <a:solidFill>
+                  <a:srgbClr val="124191"/>
+                </a:solidFill>
+                <a:latin typeface="Nokia Pure Text Light"/>
+              </a:rPr>
+              <a:t>Vector</a:t>
+            </a:r>
             <a:r>
               <a:rPr kumimoji="0" lang="en-US" sz="2000" b="0" i="0" u="none" strike="noStrike" kern="1200" cap="none" spc="0" normalizeH="0" baseline="0" noProof="0" dirty="0">
                 <a:ln>
@@ -27204,7 +27103,7 @@
                 <a:ea typeface="+mn-ea"/>
                 <a:cs typeface="+mn-cs"/>
               </a:rPr>
-              <a:t>Image 3</a:t>
+              <a:t> 3</a:t>
             </a:r>
           </a:p>
         </p:txBody>
@@ -27254,6 +27153,15 @@
               <a:tabLst/>
               <a:defRPr/>
             </a:pPr>
+            <a:r>
+              <a:rPr lang="en-US" sz="2000" dirty="0">
+                <a:solidFill>
+                  <a:srgbClr val="124191"/>
+                </a:solidFill>
+                <a:latin typeface="Nokia Pure Text Light"/>
+              </a:rPr>
+              <a:t>Vector</a:t>
+            </a:r>
             <a:r>
               <a:rPr kumimoji="0" lang="en-US" sz="2000" b="0" i="0" u="none" strike="noStrike" kern="1200" cap="none" spc="0" normalizeH="0" baseline="0" noProof="0" dirty="0">
                 <a:ln>
@@ -27269,7 +27177,7 @@
                 <a:ea typeface="+mn-ea"/>
                 <a:cs typeface="+mn-cs"/>
               </a:rPr>
-              <a:t>Image 5</a:t>
+              <a:t> 5</a:t>
             </a:r>
           </a:p>
         </p:txBody>
@@ -28760,6 +28668,15 @@
               <a:defRPr/>
             </a:pPr>
             <a:r>
+              <a:rPr lang="en-US" sz="2000" dirty="0">
+                <a:solidFill>
+                  <a:srgbClr val="124191"/>
+                </a:solidFill>
+                <a:latin typeface="Nokia Pure Text Light"/>
+              </a:rPr>
+              <a:t>Vector</a:t>
+            </a:r>
+            <a:r>
               <a:rPr kumimoji="0" lang="en-US" sz="2000" b="0" i="0" u="none" strike="noStrike" kern="1200" cap="none" spc="0" normalizeH="0" baseline="0" noProof="0" dirty="0">
                 <a:ln>
                   <a:noFill/>
@@ -28774,7 +28691,7 @@
                 <a:ea typeface="+mn-ea"/>
                 <a:cs typeface="+mn-cs"/>
               </a:rPr>
-              <a:t>Image 4</a:t>
+              <a:t> 4</a:t>
             </a:r>
           </a:p>
         </p:txBody>

--- a/DL_course.pptx
+++ b/DL_course.pptx
@@ -6,7 +6,7 @@
     <p:sldMasterId id="2147483663" r:id="rId2"/>
   </p:sldMasterIdLst>
   <p:notesMasterIdLst>
-    <p:notesMasterId r:id="rId30"/>
+    <p:notesMasterId r:id="rId29"/>
   </p:notesMasterIdLst>
   <p:sldIdLst>
     <p:sldId id="258" r:id="rId3"/>
@@ -23,19 +23,18 @@
     <p:sldId id="281" r:id="rId14"/>
     <p:sldId id="283" r:id="rId15"/>
     <p:sldId id="296" r:id="rId16"/>
-    <p:sldId id="310" r:id="rId17"/>
-    <p:sldId id="297" r:id="rId18"/>
-    <p:sldId id="295" r:id="rId19"/>
-    <p:sldId id="299" r:id="rId20"/>
-    <p:sldId id="300" r:id="rId21"/>
-    <p:sldId id="309" r:id="rId22"/>
-    <p:sldId id="285" r:id="rId23"/>
-    <p:sldId id="286" r:id="rId24"/>
-    <p:sldId id="287" r:id="rId25"/>
-    <p:sldId id="288" r:id="rId26"/>
-    <p:sldId id="308" r:id="rId27"/>
-    <p:sldId id="303" r:id="rId28"/>
-    <p:sldId id="292" r:id="rId29"/>
+    <p:sldId id="297" r:id="rId17"/>
+    <p:sldId id="295" r:id="rId18"/>
+    <p:sldId id="299" r:id="rId19"/>
+    <p:sldId id="300" r:id="rId20"/>
+    <p:sldId id="309" r:id="rId21"/>
+    <p:sldId id="285" r:id="rId22"/>
+    <p:sldId id="286" r:id="rId23"/>
+    <p:sldId id="287" r:id="rId24"/>
+    <p:sldId id="288" r:id="rId25"/>
+    <p:sldId id="308" r:id="rId26"/>
+    <p:sldId id="303" r:id="rId27"/>
+    <p:sldId id="292" r:id="rId28"/>
   </p:sldIdLst>
   <p:sldSz cx="12192000" cy="6858000"/>
   <p:notesSz cx="6858000" cy="9144000"/>
@@ -949,7 +948,7 @@
           <a:p>
             <a:fld id="{6B3382E4-831A-4D0C-BC58-A8776DD694D1}" type="slidenum">
               <a:rPr lang="en-US" smtClean="0"/>
-              <a:t>25</a:t>
+              <a:t>24</a:t>
             </a:fld>
             <a:endParaRPr lang="en-US"/>
           </a:p>
@@ -10714,7 +10713,7 @@
         <p:spPr>
           <a:xfrm>
             <a:off x="833718" y="1002229"/>
-            <a:ext cx="9386728" cy="1032759"/>
+            <a:ext cx="8390964" cy="1032759"/>
           </a:xfrm>
           <a:prstGeom prst="rect">
             <a:avLst/>
@@ -10734,8 +10733,24 @@
               <a:buSzPct val="100000"/>
             </a:pPr>
             <a:r>
+              <a:rPr lang="en-US" sz="2400" b="1" dirty="0"/>
+              <a:t>Keras</a:t>
+            </a:r>
+            <a:r>
               <a:rPr lang="en-US" sz="2400" dirty="0"/>
-              <a:t>Preparing the dataset</a:t>
+              <a:t> is a high-level neural networks API</a:t>
+            </a:r>
+          </a:p>
+          <a:p>
+            <a:pPr>
+              <a:spcAft>
+                <a:spcPts val="300"/>
+              </a:spcAft>
+              <a:buSzPct val="100000"/>
+            </a:pPr>
+            <a:r>
+              <a:rPr lang="en-US" sz="2400" dirty="0"/>
+              <a:t>Give access to pre-made Layers</a:t>
             </a:r>
           </a:p>
         </p:txBody>
@@ -10745,7 +10760,7 @@
           <p:cNvPr id="2" name="Picture 1">
             <a:extLst>
               <a:ext uri="{FF2B5EF4-FFF2-40B4-BE49-F238E27FC236}">
-                <a16:creationId xmlns:a16="http://schemas.microsoft.com/office/drawing/2014/main" id="{8CC21C6E-3E66-4AF7-9B89-D8183897A82C}"/>
+                <a16:creationId xmlns:a16="http://schemas.microsoft.com/office/drawing/2014/main" id="{A5A4687C-70D8-424F-9E89-EA9FB47775E9}"/>
               </a:ext>
             </a:extLst>
           </p:cNvPr>
@@ -10762,8 +10777,38 @@
         </p:blipFill>
         <p:spPr>
           <a:xfrm>
-            <a:off x="833718" y="1595313"/>
-            <a:ext cx="9725723" cy="4581261"/>
+            <a:off x="693325" y="2646742"/>
+            <a:ext cx="10805349" cy="920730"/>
+          </a:xfrm>
+          <a:prstGeom prst="rect">
+            <a:avLst/>
+          </a:prstGeom>
+        </p:spPr>
+      </p:pic>
+      <p:pic>
+        <p:nvPicPr>
+          <p:cNvPr id="5" name="Picture 4">
+            <a:extLst>
+              <a:ext uri="{FF2B5EF4-FFF2-40B4-BE49-F238E27FC236}">
+                <a16:creationId xmlns:a16="http://schemas.microsoft.com/office/drawing/2014/main" id="{3A39F12A-0452-47C7-93F0-2B09B2E3E76B}"/>
+              </a:ext>
+            </a:extLst>
+          </p:cNvPr>
+          <p:cNvPicPr>
+            <a:picLocks noChangeAspect="1"/>
+          </p:cNvPicPr>
+          <p:nvPr/>
+        </p:nvPicPr>
+        <p:blipFill>
+          <a:blip r:embed="rId3"/>
+          <a:stretch>
+            <a:fillRect/>
+          </a:stretch>
+        </p:blipFill>
+        <p:spPr>
+          <a:xfrm>
+            <a:off x="4734645" y="4520026"/>
+            <a:ext cx="2722709" cy="1393014"/>
           </a:xfrm>
           <a:prstGeom prst="rect">
             <a:avLst/>
@@ -10773,7 +10818,7 @@
     </p:spTree>
     <p:extLst>
       <p:ext uri="{BB962C8B-B14F-4D97-AF65-F5344CB8AC3E}">
-        <p14:creationId xmlns:p14="http://schemas.microsoft.com/office/powerpoint/2010/main" val="2516909956"/>
+        <p14:creationId xmlns:p14="http://schemas.microsoft.com/office/powerpoint/2010/main" val="2349986979"/>
       </p:ext>
     </p:extLst>
   </p:cSld>
@@ -10800,6 +10845,35 @@
           <a:chExt cx="0" cy="0"/>
         </a:xfrm>
       </p:grpSpPr>
+      <p:pic>
+        <p:nvPicPr>
+          <p:cNvPr id="7" name="Picture 6">
+            <a:extLst>
+              <a:ext uri="{FF2B5EF4-FFF2-40B4-BE49-F238E27FC236}">
+                <a16:creationId xmlns:a16="http://schemas.microsoft.com/office/drawing/2014/main" id="{3ADC17D5-5CF5-4EF0-9655-CFA872C519E2}"/>
+              </a:ext>
+            </a:extLst>
+          </p:cNvPr>
+          <p:cNvPicPr>
+            <a:picLocks noChangeAspect="1"/>
+          </p:cNvPicPr>
+          <p:nvPr/>
+        </p:nvPicPr>
+        <p:blipFill rotWithShape="1">
+          <a:blip r:embed="rId2"/>
+          <a:srcRect b="15463"/>
+          <a:stretch/>
+        </p:blipFill>
+        <p:spPr>
+          <a:xfrm>
+            <a:off x="2466396" y="4628814"/>
+            <a:ext cx="7479124" cy="1859592"/>
+          </a:xfrm>
+          <a:prstGeom prst="rect">
+            <a:avLst/>
+          </a:prstGeom>
+        </p:spPr>
+      </p:pic>
       <p:sp>
         <p:nvSpPr>
           <p:cNvPr id="3" name="Text Placeholder 2">
@@ -10871,24 +10945,16 @@
               <a:buSzPct val="100000"/>
             </a:pPr>
             <a:r>
+              <a:rPr lang="en-US" sz="2400" dirty="0"/>
+              <a:t>The</a:t>
+            </a:r>
+            <a:r>
               <a:rPr lang="en-US" sz="2400" b="1" dirty="0"/>
-              <a:t>Keras</a:t>
+              <a:t> Sequential API</a:t>
             </a:r>
             <a:r>
               <a:rPr lang="en-US" sz="2400" dirty="0"/>
-              <a:t> is a high-level neural networks API</a:t>
-            </a:r>
-          </a:p>
-          <a:p>
-            <a:pPr>
-              <a:spcAft>
-                <a:spcPts val="300"/>
-              </a:spcAft>
-              <a:buSzPct val="100000"/>
-            </a:pPr>
-            <a:r>
-              <a:rPr lang="en-US" sz="2400" dirty="0"/>
-              <a:t>Give access to pre-made Layers</a:t>
+              <a:t> : Easily define models</a:t>
             </a:r>
           </a:p>
         </p:txBody>
@@ -10898,37 +10964,7 @@
           <p:cNvPr id="2" name="Picture 1">
             <a:extLst>
               <a:ext uri="{FF2B5EF4-FFF2-40B4-BE49-F238E27FC236}">
-                <a16:creationId xmlns:a16="http://schemas.microsoft.com/office/drawing/2014/main" id="{A5A4687C-70D8-424F-9E89-EA9FB47775E9}"/>
-              </a:ext>
-            </a:extLst>
-          </p:cNvPr>
-          <p:cNvPicPr>
-            <a:picLocks noChangeAspect="1"/>
-          </p:cNvPicPr>
-          <p:nvPr/>
-        </p:nvPicPr>
-        <p:blipFill>
-          <a:blip r:embed="rId2"/>
-          <a:stretch>
-            <a:fillRect/>
-          </a:stretch>
-        </p:blipFill>
-        <p:spPr>
-          <a:xfrm>
-            <a:off x="693325" y="2646742"/>
-            <a:ext cx="10805349" cy="920730"/>
-          </a:xfrm>
-          <a:prstGeom prst="rect">
-            <a:avLst/>
-          </a:prstGeom>
-        </p:spPr>
-      </p:pic>
-      <p:pic>
-        <p:nvPicPr>
-          <p:cNvPr id="5" name="Picture 4">
-            <a:extLst>
-              <a:ext uri="{FF2B5EF4-FFF2-40B4-BE49-F238E27FC236}">
-                <a16:creationId xmlns:a16="http://schemas.microsoft.com/office/drawing/2014/main" id="{3A39F12A-0452-47C7-93F0-2B09B2E3E76B}"/>
+                <a16:creationId xmlns:a16="http://schemas.microsoft.com/office/drawing/2014/main" id="{3A649406-C005-4A3A-AB46-18C7C00623EB}"/>
               </a:ext>
             </a:extLst>
           </p:cNvPr>
@@ -10945,8 +10981,8 @@
         </p:blipFill>
         <p:spPr>
           <a:xfrm>
-            <a:off x="4734645" y="4520026"/>
-            <a:ext cx="2722709" cy="1393014"/>
+            <a:off x="1633975" y="1518608"/>
+            <a:ext cx="8924049" cy="3203703"/>
           </a:xfrm>
           <a:prstGeom prst="rect">
             <a:avLst/>
@@ -10956,7 +10992,7 @@
     </p:spTree>
     <p:extLst>
       <p:ext uri="{BB962C8B-B14F-4D97-AF65-F5344CB8AC3E}">
-        <p14:creationId xmlns:p14="http://schemas.microsoft.com/office/powerpoint/2010/main" val="2349986979"/>
+        <p14:creationId xmlns:p14="http://schemas.microsoft.com/office/powerpoint/2010/main" val="4223072625"/>
       </p:ext>
     </p:extLst>
   </p:cSld>
@@ -10983,35 +11019,6 @@
           <a:chExt cx="0" cy="0"/>
         </a:xfrm>
       </p:grpSpPr>
-      <p:pic>
-        <p:nvPicPr>
-          <p:cNvPr id="7" name="Picture 6">
-            <a:extLst>
-              <a:ext uri="{FF2B5EF4-FFF2-40B4-BE49-F238E27FC236}">
-                <a16:creationId xmlns:a16="http://schemas.microsoft.com/office/drawing/2014/main" id="{3ADC17D5-5CF5-4EF0-9655-CFA872C519E2}"/>
-              </a:ext>
-            </a:extLst>
-          </p:cNvPr>
-          <p:cNvPicPr>
-            <a:picLocks noChangeAspect="1"/>
-          </p:cNvPicPr>
-          <p:nvPr/>
-        </p:nvPicPr>
-        <p:blipFill rotWithShape="1">
-          <a:blip r:embed="rId2"/>
-          <a:srcRect b="15463"/>
-          <a:stretch/>
-        </p:blipFill>
-        <p:spPr>
-          <a:xfrm>
-            <a:off x="2466396" y="4628814"/>
-            <a:ext cx="7479124" cy="1859592"/>
-          </a:xfrm>
-          <a:prstGeom prst="rect">
-            <a:avLst/>
-          </a:prstGeom>
-        </p:spPr>
-      </p:pic>
       <p:sp>
         <p:nvSpPr>
           <p:cNvPr id="3" name="Text Placeholder 2">
@@ -11084,25 +11091,88 @@
             </a:pPr>
             <a:r>
               <a:rPr lang="en-US" sz="2400" dirty="0"/>
-              <a:t>The</a:t>
-            </a:r>
-            <a:r>
-              <a:rPr lang="en-US" sz="2400" b="1" dirty="0"/>
-              <a:t> Sequential API</a:t>
-            </a:r>
-            <a:r>
-              <a:rPr lang="en-US" sz="2400" dirty="0"/>
-              <a:t> : Easily define models</a:t>
+              <a:t>Keras gives access to pre-made training functions</a:t>
+            </a:r>
+          </a:p>
+        </p:txBody>
+      </p:sp>
+      <p:sp>
+        <p:nvSpPr>
+          <p:cNvPr id="11" name="TextBox 10">
+            <a:extLst>
+              <a:ext uri="{FF2B5EF4-FFF2-40B4-BE49-F238E27FC236}">
+                <a16:creationId xmlns:a16="http://schemas.microsoft.com/office/drawing/2014/main" id="{E5280ACB-8480-4B06-A230-7EF75C1A80A9}"/>
+              </a:ext>
+            </a:extLst>
+          </p:cNvPr>
+          <p:cNvSpPr txBox="1"/>
+          <p:nvPr/>
+        </p:nvSpPr>
+        <p:spPr>
+          <a:xfrm>
+            <a:off x="406231" y="5794790"/>
+            <a:ext cx="3356659" cy="416688"/>
+          </a:xfrm>
+          <a:prstGeom prst="rect">
+            <a:avLst/>
+          </a:prstGeom>
+          <a:noFill/>
+        </p:spPr>
+        <p:txBody>
+          <a:bodyPr wrap="none" lIns="72000" tIns="72000" rIns="72000" bIns="72000" rtlCol="0">
+            <a:noAutofit/>
+          </a:bodyPr>
+          <a:lstStyle/>
+          <a:p>
+            <a:pPr algn="l">
+              <a:spcAft>
+                <a:spcPts val="300"/>
+              </a:spcAft>
+              <a:buSzPct val="100000"/>
+            </a:pPr>
+            <a:r>
+              <a:rPr lang="en-US" dirty="0"/>
+              <a:t>Final loss                 Final accuracy    </a:t>
             </a:r>
           </a:p>
         </p:txBody>
       </p:sp>
       <p:pic>
         <p:nvPicPr>
-          <p:cNvPr id="2" name="Picture 1">
-            <a:extLst>
-              <a:ext uri="{FF2B5EF4-FFF2-40B4-BE49-F238E27FC236}">
-                <a16:creationId xmlns:a16="http://schemas.microsoft.com/office/drawing/2014/main" id="{3A649406-C005-4A3A-AB46-18C7C00623EB}"/>
+          <p:cNvPr id="4" name="Picture 3">
+            <a:extLst>
+              <a:ext uri="{FF2B5EF4-FFF2-40B4-BE49-F238E27FC236}">
+                <a16:creationId xmlns:a16="http://schemas.microsoft.com/office/drawing/2014/main" id="{05ED0BE3-96F7-4294-9173-1ACD6539571C}"/>
+              </a:ext>
+            </a:extLst>
+          </p:cNvPr>
+          <p:cNvPicPr>
+            <a:picLocks noChangeAspect="1"/>
+          </p:cNvPicPr>
+          <p:nvPr/>
+        </p:nvPicPr>
+        <p:blipFill>
+          <a:blip r:embed="rId2"/>
+          <a:stretch>
+            <a:fillRect/>
+          </a:stretch>
+        </p:blipFill>
+        <p:spPr>
+          <a:xfrm>
+            <a:off x="406231" y="1737740"/>
+            <a:ext cx="11379537" cy="3693177"/>
+          </a:xfrm>
+          <a:prstGeom prst="rect">
+            <a:avLst/>
+          </a:prstGeom>
+        </p:spPr>
+      </p:pic>
+      <p:pic>
+        <p:nvPicPr>
+          <p:cNvPr id="5" name="Picture 4">
+            <a:extLst>
+              <a:ext uri="{FF2B5EF4-FFF2-40B4-BE49-F238E27FC236}">
+                <a16:creationId xmlns:a16="http://schemas.microsoft.com/office/drawing/2014/main" id="{EA1E46DE-2A43-4C65-9BC1-46C90CA82ECF}"/>
               </a:ext>
             </a:extLst>
           </p:cNvPr>
@@ -11119,18 +11189,100 @@
         </p:blipFill>
         <p:spPr>
           <a:xfrm>
-            <a:off x="1633975" y="1518608"/>
-            <a:ext cx="8924049" cy="3203703"/>
+            <a:off x="406231" y="5487630"/>
+            <a:ext cx="3081510" cy="307160"/>
           </a:xfrm>
           <a:prstGeom prst="rect">
             <a:avLst/>
           </a:prstGeom>
         </p:spPr>
       </p:pic>
+      <p:cxnSp>
+        <p:nvCxnSpPr>
+          <p:cNvPr id="7" name="Straight Arrow Connector 6">
+            <a:extLst>
+              <a:ext uri="{FF2B5EF4-FFF2-40B4-BE49-F238E27FC236}">
+                <a16:creationId xmlns:a16="http://schemas.microsoft.com/office/drawing/2014/main" id="{1949F4C5-98E8-47D7-A20A-47CF20F0065A}"/>
+              </a:ext>
+            </a:extLst>
+          </p:cNvPr>
+          <p:cNvCxnSpPr>
+            <a:cxnSpLocks/>
+          </p:cNvCxnSpPr>
+          <p:nvPr/>
+        </p:nvCxnSpPr>
+        <p:spPr>
+          <a:xfrm flipV="1">
+            <a:off x="886691" y="5738325"/>
+            <a:ext cx="214745" cy="131617"/>
+          </a:xfrm>
+          <a:prstGeom prst="straightConnector1">
+            <a:avLst/>
+          </a:prstGeom>
+          <a:ln w="12700">
+            <a:tailEnd type="triangle"/>
+          </a:ln>
+        </p:spPr>
+        <p:style>
+          <a:lnRef idx="1">
+            <a:schemeClr val="dk1"/>
+          </a:lnRef>
+          <a:fillRef idx="0">
+            <a:schemeClr val="dk1"/>
+          </a:fillRef>
+          <a:effectRef idx="0">
+            <a:schemeClr val="dk1"/>
+          </a:effectRef>
+          <a:fontRef idx="minor">
+            <a:schemeClr val="tx1"/>
+          </a:fontRef>
+        </p:style>
+      </p:cxnSp>
+      <p:cxnSp>
+        <p:nvCxnSpPr>
+          <p:cNvPr id="12" name="Straight Arrow Connector 11">
+            <a:extLst>
+              <a:ext uri="{FF2B5EF4-FFF2-40B4-BE49-F238E27FC236}">
+                <a16:creationId xmlns:a16="http://schemas.microsoft.com/office/drawing/2014/main" id="{C96E3307-FF04-4590-A706-D00ECCA3FDB7}"/>
+              </a:ext>
+            </a:extLst>
+          </p:cNvPr>
+          <p:cNvCxnSpPr>
+            <a:cxnSpLocks/>
+          </p:cNvCxnSpPr>
+          <p:nvPr/>
+        </p:nvCxnSpPr>
+        <p:spPr>
+          <a:xfrm flipH="1" flipV="1">
+            <a:off x="3034145" y="5738077"/>
+            <a:ext cx="69273" cy="113426"/>
+          </a:xfrm>
+          <a:prstGeom prst="straightConnector1">
+            <a:avLst/>
+          </a:prstGeom>
+          <a:ln w="12700">
+            <a:tailEnd type="triangle"/>
+          </a:ln>
+        </p:spPr>
+        <p:style>
+          <a:lnRef idx="1">
+            <a:schemeClr val="dk1"/>
+          </a:lnRef>
+          <a:fillRef idx="0">
+            <a:schemeClr val="dk1"/>
+          </a:fillRef>
+          <a:effectRef idx="0">
+            <a:schemeClr val="dk1"/>
+          </a:effectRef>
+          <a:fontRef idx="minor">
+            <a:schemeClr val="tx1"/>
+          </a:fontRef>
+        </p:style>
+      </p:cxnSp>
     </p:spTree>
     <p:extLst>
       <p:ext uri="{BB962C8B-B14F-4D97-AF65-F5344CB8AC3E}">
-        <p14:creationId xmlns:p14="http://schemas.microsoft.com/office/powerpoint/2010/main" val="4223072625"/>
+        <p14:creationId xmlns:p14="http://schemas.microsoft.com/office/powerpoint/2010/main" val="23033813"/>
       </p:ext>
     </p:extLst>
   </p:cSld>
@@ -11188,7 +11340,7 @@
           <a:p>
             <a:r>
               <a:rPr lang="en-US" sz="3200" dirty="0"/>
-              <a:t>2. Tensorflow for beginners</a:t>
+              <a:t>3. Tensorflow for experts</a:t>
             </a:r>
           </a:p>
         </p:txBody>
@@ -11207,8 +11359,8 @@
         </p:nvSpPr>
         <p:spPr>
           <a:xfrm>
-            <a:off x="833718" y="1002229"/>
-            <a:ext cx="8390964" cy="1032759"/>
+            <a:off x="833718" y="957676"/>
+            <a:ext cx="8390964" cy="566595"/>
           </a:xfrm>
           <a:prstGeom prst="rect">
             <a:avLst/>
@@ -11221,7 +11373,7 @@
           </a:bodyPr>
           <a:lstStyle/>
           <a:p>
-            <a:pPr>
+            <a:pPr algn="l">
               <a:spcAft>
                 <a:spcPts val="300"/>
               </a:spcAft>
@@ -11229,49 +11381,13 @@
             </a:pPr>
             <a:r>
               <a:rPr lang="en-US" sz="2400" dirty="0"/>
-              <a:t>Keras gives access to pre-made training functions</a:t>
-            </a:r>
-          </a:p>
-        </p:txBody>
-      </p:sp>
-      <p:sp>
-        <p:nvSpPr>
-          <p:cNvPr id="11" name="TextBox 10">
-            <a:extLst>
-              <a:ext uri="{FF2B5EF4-FFF2-40B4-BE49-F238E27FC236}">
-                <a16:creationId xmlns:a16="http://schemas.microsoft.com/office/drawing/2014/main" id="{E5280ACB-8480-4B06-A230-7EF75C1A80A9}"/>
-              </a:ext>
-            </a:extLst>
-          </p:cNvPr>
-          <p:cNvSpPr txBox="1"/>
-          <p:nvPr/>
-        </p:nvSpPr>
-        <p:spPr>
-          <a:xfrm>
-            <a:off x="406231" y="5794790"/>
-            <a:ext cx="3356659" cy="416688"/>
-          </a:xfrm>
-          <a:prstGeom prst="rect">
-            <a:avLst/>
-          </a:prstGeom>
-          <a:noFill/>
-        </p:spPr>
-        <p:txBody>
-          <a:bodyPr wrap="none" lIns="72000" tIns="72000" rIns="72000" bIns="72000" rtlCol="0">
-            <a:noAutofit/>
-          </a:bodyPr>
-          <a:lstStyle/>
-          <a:p>
-            <a:pPr algn="l">
-              <a:spcAft>
-                <a:spcPts val="300"/>
-              </a:spcAft>
-              <a:buSzPct val="100000"/>
-            </a:pPr>
-            <a:r>
-              <a:rPr lang="en-US" dirty="0"/>
-              <a:t>Final loss                 Final accuracy    </a:t>
-            </a:r>
+              <a:t>Creating a Tensorflow </a:t>
+            </a:r>
+            <a:r>
+              <a:rPr lang="en-US" sz="2400" b="1" dirty="0"/>
+              <a:t>dataset</a:t>
+            </a:r>
+            <a:endParaRPr lang="en-US" sz="2400" dirty="0"/>
           </a:p>
         </p:txBody>
       </p:sp>
@@ -11280,7 +11396,7 @@
           <p:cNvPr id="4" name="Picture 3">
             <a:extLst>
               <a:ext uri="{FF2B5EF4-FFF2-40B4-BE49-F238E27FC236}">
-                <a16:creationId xmlns:a16="http://schemas.microsoft.com/office/drawing/2014/main" id="{05ED0BE3-96F7-4294-9173-1ACD6539571C}"/>
+                <a16:creationId xmlns:a16="http://schemas.microsoft.com/office/drawing/2014/main" id="{E1F3F4CF-DD3F-4ED3-9513-4C7DEF0E5C6E}"/>
               </a:ext>
             </a:extLst>
           </p:cNvPr>
@@ -11297,67 +11413,223 @@
         </p:blipFill>
         <p:spPr>
           <a:xfrm>
-            <a:off x="406231" y="1737740"/>
-            <a:ext cx="11379537" cy="3693177"/>
+            <a:off x="592238" y="1711506"/>
+            <a:ext cx="11007524" cy="1579376"/>
           </a:xfrm>
           <a:prstGeom prst="rect">
             <a:avLst/>
           </a:prstGeom>
         </p:spPr>
       </p:pic>
-      <p:pic>
-        <p:nvPicPr>
-          <p:cNvPr id="5" name="Picture 4">
-            <a:extLst>
-              <a:ext uri="{FF2B5EF4-FFF2-40B4-BE49-F238E27FC236}">
-                <a16:creationId xmlns:a16="http://schemas.microsoft.com/office/drawing/2014/main" id="{EA1E46DE-2A43-4C65-9BC1-46C90CA82ECF}"/>
-              </a:ext>
-            </a:extLst>
-          </p:cNvPr>
-          <p:cNvPicPr>
-            <a:picLocks noChangeAspect="1"/>
-          </p:cNvPicPr>
+      <p:sp>
+        <p:nvSpPr>
+          <p:cNvPr id="6" name="TextBox 5">
+            <a:extLst>
+              <a:ext uri="{FF2B5EF4-FFF2-40B4-BE49-F238E27FC236}">
+                <a16:creationId xmlns:a16="http://schemas.microsoft.com/office/drawing/2014/main" id="{B3BE29BB-2282-41EE-9645-3CFDA498E74D}"/>
+              </a:ext>
+            </a:extLst>
+          </p:cNvPr>
+          <p:cNvSpPr txBox="1"/>
           <p:nvPr/>
-        </p:nvPicPr>
-        <p:blipFill>
-          <a:blip r:embed="rId3"/>
-          <a:stretch>
-            <a:fillRect/>
-          </a:stretch>
-        </p:blipFill>
-        <p:spPr>
-          <a:xfrm>
-            <a:off x="406231" y="5487630"/>
-            <a:ext cx="3081510" cy="307160"/>
+        </p:nvSpPr>
+        <p:spPr>
+          <a:xfrm>
+            <a:off x="731135" y="4039564"/>
+            <a:ext cx="3123235" cy="752355"/>
           </a:xfrm>
           <a:prstGeom prst="rect">
             <a:avLst/>
           </a:prstGeom>
-        </p:spPr>
-      </p:pic>
+          <a:noFill/>
+        </p:spPr>
+        <p:txBody>
+          <a:bodyPr wrap="none" lIns="72000" tIns="72000" rIns="72000" bIns="72000" rtlCol="0">
+            <a:noAutofit/>
+          </a:bodyPr>
+          <a:lstStyle/>
+          <a:p>
+            <a:pPr algn="ctr">
+              <a:spcAft>
+                <a:spcPts val="300"/>
+              </a:spcAft>
+              <a:buSzPct val="100000"/>
+            </a:pPr>
+            <a:r>
+              <a:rPr lang="en-US" dirty="0">
+                <a:solidFill>
+                  <a:schemeClr val="tx2"/>
+                </a:solidFill>
+              </a:rPr>
+              <a:t>Using TF dataset</a:t>
+            </a:r>
+          </a:p>
+          <a:p>
+            <a:pPr algn="ctr">
+              <a:spcAft>
+                <a:spcPts val="300"/>
+              </a:spcAft>
+              <a:buSzPct val="100000"/>
+            </a:pPr>
+            <a:r>
+              <a:rPr lang="en-US" dirty="0">
+                <a:solidFill>
+                  <a:schemeClr val="tx2"/>
+                </a:solidFill>
+              </a:rPr>
+              <a:t>helps with parallelization </a:t>
+            </a:r>
+          </a:p>
+        </p:txBody>
+      </p:sp>
+      <p:sp>
+        <p:nvSpPr>
+          <p:cNvPr id="8" name="TextBox 7">
+            <a:extLst>
+              <a:ext uri="{FF2B5EF4-FFF2-40B4-BE49-F238E27FC236}">
+                <a16:creationId xmlns:a16="http://schemas.microsoft.com/office/drawing/2014/main" id="{0F289DBC-CD81-4B4B-B337-A53CDF4D549F}"/>
+              </a:ext>
+            </a:extLst>
+          </p:cNvPr>
+          <p:cNvSpPr txBox="1"/>
+          <p:nvPr/>
+        </p:nvSpPr>
+        <p:spPr>
+          <a:xfrm>
+            <a:off x="4335609" y="4004839"/>
+            <a:ext cx="3123235" cy="752355"/>
+          </a:xfrm>
+          <a:prstGeom prst="rect">
+            <a:avLst/>
+          </a:prstGeom>
+          <a:noFill/>
+        </p:spPr>
+        <p:txBody>
+          <a:bodyPr wrap="none" lIns="72000" tIns="72000" rIns="72000" bIns="72000" rtlCol="0">
+            <a:noAutofit/>
+          </a:bodyPr>
+          <a:lstStyle/>
+          <a:p>
+            <a:pPr algn="ctr">
+              <a:spcAft>
+                <a:spcPts val="300"/>
+              </a:spcAft>
+              <a:buSzPct val="100000"/>
+            </a:pPr>
+            <a:r>
+              <a:rPr lang="en-US" dirty="0">
+                <a:solidFill>
+                  <a:schemeClr val="tx2"/>
+                </a:solidFill>
+              </a:rPr>
+              <a:t>Creates a TF dataset from</a:t>
+            </a:r>
+          </a:p>
+          <a:p>
+            <a:pPr algn="ctr">
+              <a:spcAft>
+                <a:spcPts val="300"/>
+              </a:spcAft>
+              <a:buSzPct val="100000"/>
+            </a:pPr>
+            <a:r>
+              <a:rPr lang="en-US" dirty="0">
+                <a:solidFill>
+                  <a:schemeClr val="tx2"/>
+                </a:solidFill>
+              </a:rPr>
+              <a:t>given tensors</a:t>
+            </a:r>
+          </a:p>
+        </p:txBody>
+      </p:sp>
+      <p:sp>
+        <p:nvSpPr>
+          <p:cNvPr id="9" name="TextBox 8">
+            <a:extLst>
+              <a:ext uri="{FF2B5EF4-FFF2-40B4-BE49-F238E27FC236}">
+                <a16:creationId xmlns:a16="http://schemas.microsoft.com/office/drawing/2014/main" id="{7E75D639-50B0-4A25-83EA-B1E3ED3320F3}"/>
+              </a:ext>
+            </a:extLst>
+          </p:cNvPr>
+          <p:cNvSpPr txBox="1"/>
+          <p:nvPr/>
+        </p:nvSpPr>
+        <p:spPr>
+          <a:xfrm>
+            <a:off x="8078981" y="4039564"/>
+            <a:ext cx="3123235" cy="752355"/>
+          </a:xfrm>
+          <a:prstGeom prst="rect">
+            <a:avLst/>
+          </a:prstGeom>
+          <a:noFill/>
+        </p:spPr>
+        <p:txBody>
+          <a:bodyPr wrap="none" lIns="72000" tIns="72000" rIns="72000" bIns="72000" rtlCol="0">
+            <a:noAutofit/>
+          </a:bodyPr>
+          <a:lstStyle/>
+          <a:p>
+            <a:pPr algn="ctr">
+              <a:spcAft>
+                <a:spcPts val="300"/>
+              </a:spcAft>
+              <a:buSzPct val="100000"/>
+            </a:pPr>
+            <a:r>
+              <a:rPr lang="en-US" dirty="0">
+                <a:solidFill>
+                  <a:schemeClr val="tx2"/>
+                </a:solidFill>
+              </a:rPr>
+              <a:t>Splits the dataset into batches </a:t>
+            </a:r>
+          </a:p>
+          <a:p>
+            <a:pPr algn="ctr">
+              <a:spcAft>
+                <a:spcPts val="300"/>
+              </a:spcAft>
+              <a:buSzPct val="100000"/>
+            </a:pPr>
+            <a:r>
+              <a:rPr lang="en-US" dirty="0">
+                <a:solidFill>
+                  <a:schemeClr val="tx2"/>
+                </a:solidFill>
+              </a:rPr>
+              <a:t>for future training iterations</a:t>
+            </a:r>
+          </a:p>
+        </p:txBody>
+      </p:sp>
       <p:cxnSp>
         <p:nvCxnSpPr>
-          <p:cNvPr id="7" name="Straight Arrow Connector 6">
-            <a:extLst>
-              <a:ext uri="{FF2B5EF4-FFF2-40B4-BE49-F238E27FC236}">
-                <a16:creationId xmlns:a16="http://schemas.microsoft.com/office/drawing/2014/main" id="{1949F4C5-98E8-47D7-A20A-47CF20F0065A}"/>
+          <p:cNvPr id="14" name="Straight Arrow Connector 13">
+            <a:extLst>
+              <a:ext uri="{FF2B5EF4-FFF2-40B4-BE49-F238E27FC236}">
+                <a16:creationId xmlns:a16="http://schemas.microsoft.com/office/drawing/2014/main" id="{05011B3A-3981-4D82-9F62-DEEA6790D983}"/>
               </a:ext>
             </a:extLst>
           </p:cNvPr>
           <p:cNvCxnSpPr>
-            <a:cxnSpLocks/>
+            <a:endCxn id="6" idx="0"/>
           </p:cNvCxnSpPr>
           <p:nvPr/>
         </p:nvCxnSpPr>
         <p:spPr>
-          <a:xfrm flipV="1">
-            <a:off x="886691" y="5738325"/>
-            <a:ext cx="214745" cy="131617"/>
+          <a:xfrm flipH="1">
+            <a:off x="2292753" y="3127513"/>
+            <a:ext cx="1086551" cy="912051"/>
           </a:xfrm>
           <a:prstGeom prst="straightConnector1">
             <a:avLst/>
           </a:prstGeom>
-          <a:ln w="12700">
+          <a:ln w="19050">
+            <a:solidFill>
+              <a:schemeClr val="tx1"/>
+            </a:solidFill>
             <a:tailEnd type="triangle"/>
           </a:ln>
         </p:spPr>
@@ -11378,27 +11650,76 @@
       </p:cxnSp>
       <p:cxnSp>
         <p:nvCxnSpPr>
-          <p:cNvPr id="12" name="Straight Arrow Connector 11">
-            <a:extLst>
-              <a:ext uri="{FF2B5EF4-FFF2-40B4-BE49-F238E27FC236}">
-                <a16:creationId xmlns:a16="http://schemas.microsoft.com/office/drawing/2014/main" id="{C96E3307-FF04-4590-A706-D00ECCA3FDB7}"/>
+          <p:cNvPr id="15" name="Straight Arrow Connector 14">
+            <a:extLst>
+              <a:ext uri="{FF2B5EF4-FFF2-40B4-BE49-F238E27FC236}">
+                <a16:creationId xmlns:a16="http://schemas.microsoft.com/office/drawing/2014/main" id="{5E999D94-1995-4F0C-A9DC-977E23012EC7}"/>
               </a:ext>
             </a:extLst>
           </p:cNvPr>
           <p:cNvCxnSpPr>
             <a:cxnSpLocks/>
+            <a:endCxn id="8" idx="0"/>
           </p:cNvCxnSpPr>
           <p:nvPr/>
         </p:nvCxnSpPr>
         <p:spPr>
-          <a:xfrm flipH="1" flipV="1">
-            <a:off x="3034145" y="5738077"/>
-            <a:ext cx="69273" cy="113426"/>
+          <a:xfrm>
+            <a:off x="4784036" y="3127513"/>
+            <a:ext cx="1113191" cy="877326"/>
           </a:xfrm>
           <a:prstGeom prst="straightConnector1">
             <a:avLst/>
           </a:prstGeom>
-          <a:ln w="12700">
+          <a:ln w="19050">
+            <a:solidFill>
+              <a:schemeClr val="tx1"/>
+            </a:solidFill>
+            <a:tailEnd type="triangle"/>
+          </a:ln>
+        </p:spPr>
+        <p:style>
+          <a:lnRef idx="1">
+            <a:schemeClr val="dk1"/>
+          </a:lnRef>
+          <a:fillRef idx="0">
+            <a:schemeClr val="dk1"/>
+          </a:fillRef>
+          <a:effectRef idx="0">
+            <a:schemeClr val="dk1"/>
+          </a:effectRef>
+          <a:fontRef idx="minor">
+            <a:schemeClr val="tx1"/>
+          </a:fontRef>
+        </p:style>
+      </p:cxnSp>
+      <p:cxnSp>
+        <p:nvCxnSpPr>
+          <p:cNvPr id="18" name="Straight Arrow Connector 17">
+            <a:extLst>
+              <a:ext uri="{FF2B5EF4-FFF2-40B4-BE49-F238E27FC236}">
+                <a16:creationId xmlns:a16="http://schemas.microsoft.com/office/drawing/2014/main" id="{ABFDE885-4586-4F2A-9D86-52FB70132309}"/>
+              </a:ext>
+            </a:extLst>
+          </p:cNvPr>
+          <p:cNvCxnSpPr>
+            <a:cxnSpLocks/>
+            <a:endCxn id="9" idx="0"/>
+          </p:cNvCxnSpPr>
+          <p:nvPr/>
+        </p:nvCxnSpPr>
+        <p:spPr>
+          <a:xfrm>
+            <a:off x="8534401" y="3127513"/>
+            <a:ext cx="1106198" cy="912051"/>
+          </a:xfrm>
+          <a:prstGeom prst="straightConnector1">
+            <a:avLst/>
+          </a:prstGeom>
+          <a:ln w="19050">
+            <a:solidFill>
+              <a:schemeClr val="tx1"/>
+            </a:solidFill>
             <a:tailEnd type="triangle"/>
           </a:ln>
         </p:spPr>
@@ -11420,7 +11741,7 @@
     </p:spTree>
     <p:extLst>
       <p:ext uri="{BB962C8B-B14F-4D97-AF65-F5344CB8AC3E}">
-        <p14:creationId xmlns:p14="http://schemas.microsoft.com/office/powerpoint/2010/main" val="23033813"/>
+        <p14:creationId xmlns:p14="http://schemas.microsoft.com/office/powerpoint/2010/main" val="2061446664"/>
       </p:ext>
     </p:extLst>
   </p:cSld>
@@ -11497,7 +11818,7 @@
         </p:nvSpPr>
         <p:spPr>
           <a:xfrm>
-            <a:off x="833718" y="957676"/>
+            <a:off x="833718" y="1002229"/>
             <a:ext cx="8390964" cy="566595"/>
           </a:xfrm>
           <a:prstGeom prst="rect">
@@ -11519,22 +11840,17 @@
             </a:pPr>
             <a:r>
               <a:rPr lang="en-US" sz="2400" dirty="0"/>
-              <a:t>Creating a Tensorflow </a:t>
-            </a:r>
-            <a:r>
-              <a:rPr lang="en-US" sz="2400" b="1" dirty="0"/>
-              <a:t>dataset</a:t>
-            </a:r>
-            <a:endParaRPr lang="en-US" sz="2400" dirty="0"/>
+              <a:t>Creating custom models and layers</a:t>
+            </a:r>
           </a:p>
         </p:txBody>
       </p:sp>
       <p:pic>
         <p:nvPicPr>
-          <p:cNvPr id="4" name="Picture 3">
-            <a:extLst>
-              <a:ext uri="{FF2B5EF4-FFF2-40B4-BE49-F238E27FC236}">
-                <a16:creationId xmlns:a16="http://schemas.microsoft.com/office/drawing/2014/main" id="{E1F3F4CF-DD3F-4ED3-9513-4C7DEF0E5C6E}"/>
+          <p:cNvPr id="6" name="Picture 5">
+            <a:extLst>
+              <a:ext uri="{FF2B5EF4-FFF2-40B4-BE49-F238E27FC236}">
+                <a16:creationId xmlns:a16="http://schemas.microsoft.com/office/drawing/2014/main" id="{C0168F7F-CA57-40AD-A9CA-4E71A16B47FF}"/>
               </a:ext>
             </a:extLst>
           </p:cNvPr>
@@ -11544,15 +11860,30 @@
           <p:nvPr/>
         </p:nvPicPr>
         <p:blipFill>
-          <a:blip r:embed="rId2"/>
+          <a:blip r:embed="rId2">
+            <a:extLst>
+              <a:ext uri="{BEBA8EAE-BF5A-486C-A8C5-ECC9F3942E4B}">
+                <a14:imgProps xmlns:a14="http://schemas.microsoft.com/office/drawing/2010/main">
+                  <a14:imgLayer r:embed="rId3">
+                    <a14:imgEffect>
+                      <a14:saturation sat="0"/>
+                    </a14:imgEffect>
+                  </a14:imgLayer>
+                </a14:imgProps>
+              </a:ext>
+              <a:ext uri="{28A0092B-C50C-407E-A947-70E740481C1C}">
+                <a14:useLocalDpi xmlns:a14="http://schemas.microsoft.com/office/drawing/2010/main" val="0"/>
+              </a:ext>
+            </a:extLst>
+          </a:blip>
           <a:stretch>
             <a:fillRect/>
           </a:stretch>
         </p:blipFill>
         <p:spPr>
           <a:xfrm>
-            <a:off x="592238" y="1711506"/>
-            <a:ext cx="11007524" cy="1579376"/>
+            <a:off x="130454" y="2872772"/>
+            <a:ext cx="6609620" cy="1944006"/>
           </a:xfrm>
           <a:prstGeom prst="rect">
             <a:avLst/>
@@ -11561,10 +11892,144 @@
       </p:pic>
       <p:sp>
         <p:nvSpPr>
-          <p:cNvPr id="6" name="TextBox 5">
-            <a:extLst>
-              <a:ext uri="{FF2B5EF4-FFF2-40B4-BE49-F238E27FC236}">
-                <a16:creationId xmlns:a16="http://schemas.microsoft.com/office/drawing/2014/main" id="{B3BE29BB-2282-41EE-9645-3CFDA498E74D}"/>
+          <p:cNvPr id="7" name="Rectangle 6">
+            <a:extLst>
+              <a:ext uri="{FF2B5EF4-FFF2-40B4-BE49-F238E27FC236}">
+                <a16:creationId xmlns:a16="http://schemas.microsoft.com/office/drawing/2014/main" id="{7911B864-450B-4CB1-BFC7-203BCA8FF5CD}"/>
+              </a:ext>
+            </a:extLst>
+          </p:cNvPr>
+          <p:cNvSpPr/>
+          <p:nvPr/>
+        </p:nvSpPr>
+        <p:spPr>
+          <a:xfrm>
+            <a:off x="7727640" y="1393315"/>
+            <a:ext cx="3989294" cy="4071369"/>
+          </a:xfrm>
+          <a:prstGeom prst="rect">
+            <a:avLst/>
+          </a:prstGeom>
+          <a:solidFill>
+            <a:schemeClr val="accent1">
+              <a:lumMod val="20000"/>
+              <a:lumOff val="80000"/>
+            </a:schemeClr>
+          </a:solidFill>
+          <a:ln w="28575">
+            <a:solidFill>
+              <a:schemeClr val="tx1"/>
+            </a:solidFill>
+          </a:ln>
+        </p:spPr>
+        <p:style>
+          <a:lnRef idx="2">
+            <a:schemeClr val="accent1">
+              <a:shade val="50000"/>
+            </a:schemeClr>
+          </a:lnRef>
+          <a:fillRef idx="1">
+            <a:schemeClr val="accent1"/>
+          </a:fillRef>
+          <a:effectRef idx="0">
+            <a:schemeClr val="accent1"/>
+          </a:effectRef>
+          <a:fontRef idx="minor">
+            <a:schemeClr val="lt1"/>
+          </a:fontRef>
+        </p:style>
+        <p:txBody>
+          <a:bodyPr rot="0" spcFirstLastPara="0" vertOverflow="overflow" horzOverflow="overflow" vert="horz" wrap="square" lIns="72000" tIns="72000" rIns="72000" bIns="72000" numCol="1" spcCol="0" rtlCol="0" fromWordArt="0" anchor="t" anchorCtr="0" forceAA="0" compatLnSpc="1">
+            <a:prstTxWarp prst="textNoShape">
+              <a:avLst/>
+            </a:prstTxWarp>
+            <a:noAutofit/>
+          </a:bodyPr>
+          <a:lstStyle/>
+          <a:p>
+            <a:pPr algn="l">
+              <a:spcAft>
+                <a:spcPts val="300"/>
+              </a:spcAft>
+              <a:buSzPct val="100000"/>
+            </a:pPr>
+            <a:endParaRPr lang="en-US" sz="1200" dirty="0"/>
+          </a:p>
+        </p:txBody>
+      </p:sp>
+      <p:sp>
+        <p:nvSpPr>
+          <p:cNvPr id="8" name="Rectangle 7">
+            <a:extLst>
+              <a:ext uri="{FF2B5EF4-FFF2-40B4-BE49-F238E27FC236}">
+                <a16:creationId xmlns:a16="http://schemas.microsoft.com/office/drawing/2014/main" id="{365D1CED-FD90-4CD3-B930-D1C5B4C382A6}"/>
+              </a:ext>
+            </a:extLst>
+          </p:cNvPr>
+          <p:cNvSpPr/>
+          <p:nvPr/>
+        </p:nvSpPr>
+        <p:spPr>
+          <a:xfrm>
+            <a:off x="7857074" y="1561801"/>
+            <a:ext cx="3730426" cy="938131"/>
+          </a:xfrm>
+          <a:prstGeom prst="rect">
+            <a:avLst/>
+          </a:prstGeom>
+          <a:solidFill>
+            <a:schemeClr val="accent6">
+              <a:lumMod val="20000"/>
+              <a:lumOff val="80000"/>
+            </a:schemeClr>
+          </a:solidFill>
+          <a:ln w="28575">
+            <a:solidFill>
+              <a:schemeClr val="tx1"/>
+            </a:solidFill>
+          </a:ln>
+        </p:spPr>
+        <p:style>
+          <a:lnRef idx="2">
+            <a:schemeClr val="accent1">
+              <a:shade val="50000"/>
+            </a:schemeClr>
+          </a:lnRef>
+          <a:fillRef idx="1">
+            <a:schemeClr val="accent1"/>
+          </a:fillRef>
+          <a:effectRef idx="0">
+            <a:schemeClr val="accent1"/>
+          </a:effectRef>
+          <a:fontRef idx="minor">
+            <a:schemeClr val="lt1"/>
+          </a:fontRef>
+        </p:style>
+        <p:txBody>
+          <a:bodyPr rot="0" spcFirstLastPara="0" vertOverflow="overflow" horzOverflow="overflow" vert="horz" wrap="square" lIns="72000" tIns="72000" rIns="72000" bIns="72000" numCol="1" spcCol="0" rtlCol="0" fromWordArt="0" anchor="t" anchorCtr="0" forceAA="0" compatLnSpc="1">
+            <a:prstTxWarp prst="textNoShape">
+              <a:avLst/>
+            </a:prstTxWarp>
+            <a:noAutofit/>
+          </a:bodyPr>
+          <a:lstStyle/>
+          <a:p>
+            <a:pPr algn="l">
+              <a:spcAft>
+                <a:spcPts val="300"/>
+              </a:spcAft>
+              <a:buSzPct val="100000"/>
+            </a:pPr>
+            <a:endParaRPr lang="en-US" sz="1200" dirty="0"/>
+          </a:p>
+        </p:txBody>
+      </p:sp>
+      <p:sp>
+        <p:nvSpPr>
+          <p:cNvPr id="9" name="TextBox 8">
+            <a:extLst>
+              <a:ext uri="{FF2B5EF4-FFF2-40B4-BE49-F238E27FC236}">
+                <a16:creationId xmlns:a16="http://schemas.microsoft.com/office/drawing/2014/main" id="{1747B8FD-BFC6-470F-8247-7D0ABB39CB4B}"/>
               </a:ext>
             </a:extLst>
           </p:cNvPr>
@@ -11573,8 +12038,8 @@
         </p:nvSpPr>
         <p:spPr>
           <a:xfrm>
-            <a:off x="731135" y="4039564"/>
-            <a:ext cx="3123235" cy="752355"/>
+            <a:off x="8789626" y="1503829"/>
+            <a:ext cx="1716657" cy="430468"/>
           </a:xfrm>
           <a:prstGeom prst="rect">
             <a:avLst/>
@@ -11594,38 +12059,18 @@
               <a:buSzPct val="100000"/>
             </a:pPr>
             <a:r>
-              <a:rPr lang="en-US" dirty="0">
-                <a:solidFill>
-                  <a:schemeClr val="tx2"/>
-                </a:solidFill>
-              </a:rPr>
-              <a:t>Using TF dataset</a:t>
-            </a:r>
-          </a:p>
-          <a:p>
-            <a:pPr algn="ctr">
-              <a:spcAft>
-                <a:spcPts val="300"/>
-              </a:spcAft>
-              <a:buSzPct val="100000"/>
-            </a:pPr>
-            <a:r>
-              <a:rPr lang="en-US" dirty="0">
-                <a:solidFill>
-                  <a:schemeClr val="tx2"/>
-                </a:solidFill>
-              </a:rPr>
-              <a:t>helps with parallelization </a:t>
+              <a:rPr lang="en-US" dirty="0"/>
+              <a:t>conv_pool_1</a:t>
             </a:r>
           </a:p>
         </p:txBody>
       </p:sp>
       <p:sp>
         <p:nvSpPr>
-          <p:cNvPr id="8" name="TextBox 7">
-            <a:extLst>
-              <a:ext uri="{FF2B5EF4-FFF2-40B4-BE49-F238E27FC236}">
-                <a16:creationId xmlns:a16="http://schemas.microsoft.com/office/drawing/2014/main" id="{0F289DBC-CD81-4B4B-B337-A53CDF4D549F}"/>
+          <p:cNvPr id="10" name="TextBox 9">
+            <a:extLst>
+              <a:ext uri="{FF2B5EF4-FFF2-40B4-BE49-F238E27FC236}">
+                <a16:creationId xmlns:a16="http://schemas.microsoft.com/office/drawing/2014/main" id="{2CF87128-AAF1-43DB-AC27-546AADC82A46}"/>
               </a:ext>
             </a:extLst>
           </p:cNvPr>
@@ -11634,8 +12079,54 @@
         </p:nvSpPr>
         <p:spPr>
           <a:xfrm>
-            <a:off x="4335609" y="4004839"/>
-            <a:ext cx="3123235" cy="752355"/>
+            <a:off x="9873806" y="1884089"/>
+            <a:ext cx="1587717" cy="519578"/>
+          </a:xfrm>
+          <a:prstGeom prst="rect">
+            <a:avLst/>
+          </a:prstGeom>
+          <a:noFill/>
+          <a:ln w="19050">
+            <a:solidFill>
+              <a:schemeClr val="tx1"/>
+            </a:solidFill>
+          </a:ln>
+        </p:spPr>
+        <p:txBody>
+          <a:bodyPr wrap="square" lIns="72000" tIns="72000" rIns="72000" bIns="72000" rtlCol="0" anchor="ctr">
+            <a:noAutofit/>
+          </a:bodyPr>
+          <a:lstStyle/>
+          <a:p>
+            <a:pPr algn="ctr">
+              <a:spcAft>
+                <a:spcPts val="300"/>
+              </a:spcAft>
+              <a:buSzPct val="100000"/>
+            </a:pPr>
+            <a:r>
+              <a:rPr lang="en-US" sz="1600" dirty="0"/>
+              <a:t>pool_2D</a:t>
+            </a:r>
+          </a:p>
+        </p:txBody>
+      </p:sp>
+      <p:sp>
+        <p:nvSpPr>
+          <p:cNvPr id="11" name="TextBox 10">
+            <a:extLst>
+              <a:ext uri="{FF2B5EF4-FFF2-40B4-BE49-F238E27FC236}">
+                <a16:creationId xmlns:a16="http://schemas.microsoft.com/office/drawing/2014/main" id="{939B04DD-64F9-4D05-9367-1C91B4FC2905}"/>
+              </a:ext>
+            </a:extLst>
+          </p:cNvPr>
+          <p:cNvSpPr txBox="1"/>
+          <p:nvPr/>
+        </p:nvSpPr>
+        <p:spPr>
+          <a:xfrm>
+            <a:off x="9275072" y="382742"/>
+            <a:ext cx="894431" cy="419389"/>
           </a:xfrm>
           <a:prstGeom prst="rect">
             <a:avLst/>
@@ -11655,38 +12146,18 @@
               <a:buSzPct val="100000"/>
             </a:pPr>
             <a:r>
-              <a:rPr lang="en-US" dirty="0">
-                <a:solidFill>
-                  <a:schemeClr val="tx2"/>
-                </a:solidFill>
-              </a:rPr>
-              <a:t>Creates a TF dataset from</a:t>
-            </a:r>
-          </a:p>
-          <a:p>
-            <a:pPr algn="ctr">
-              <a:spcAft>
-                <a:spcPts val="300"/>
-              </a:spcAft>
-              <a:buSzPct val="100000"/>
-            </a:pPr>
-            <a:r>
-              <a:rPr lang="en-US" dirty="0">
-                <a:solidFill>
-                  <a:schemeClr val="tx2"/>
-                </a:solidFill>
-              </a:rPr>
-              <a:t>given tensors</a:t>
+              <a:rPr lang="en-US" sz="2000" dirty="0"/>
+              <a:t>Inputs</a:t>
             </a:r>
           </a:p>
         </p:txBody>
       </p:sp>
       <p:sp>
         <p:nvSpPr>
-          <p:cNvPr id="9" name="TextBox 8">
-            <a:extLst>
-              <a:ext uri="{FF2B5EF4-FFF2-40B4-BE49-F238E27FC236}">
-                <a16:creationId xmlns:a16="http://schemas.microsoft.com/office/drawing/2014/main" id="{7E75D639-50B0-4A25-83EA-B1E3ED3320F3}"/>
+          <p:cNvPr id="12" name="TextBox 11">
+            <a:extLst>
+              <a:ext uri="{FF2B5EF4-FFF2-40B4-BE49-F238E27FC236}">
+                <a16:creationId xmlns:a16="http://schemas.microsoft.com/office/drawing/2014/main" id="{96BE4BCE-EC29-4DF7-B1BC-6D5130FDBA0B}"/>
               </a:ext>
             </a:extLst>
           </p:cNvPr>
@@ -11695,8 +12166,8 @@
         </p:nvSpPr>
         <p:spPr>
           <a:xfrm>
-            <a:off x="8078981" y="4039564"/>
-            <a:ext cx="3123235" cy="752355"/>
+            <a:off x="9275072" y="5990117"/>
+            <a:ext cx="1041256" cy="419389"/>
           </a:xfrm>
           <a:prstGeom prst="rect">
             <a:avLst/>
@@ -11716,60 +12187,677 @@
               <a:buSzPct val="100000"/>
             </a:pPr>
             <a:r>
-              <a:rPr lang="en-US" dirty="0">
-                <a:solidFill>
-                  <a:schemeClr val="tx2"/>
-                </a:solidFill>
-              </a:rPr>
-              <a:t>Splits the dataset into batches </a:t>
-            </a:r>
-          </a:p>
-          <a:p>
-            <a:pPr algn="ctr">
-              <a:spcAft>
-                <a:spcPts val="300"/>
-              </a:spcAft>
-              <a:buSzPct val="100000"/>
-            </a:pPr>
-            <a:r>
-              <a:rPr lang="en-US" dirty="0">
-                <a:solidFill>
-                  <a:schemeClr val="tx2"/>
-                </a:solidFill>
-              </a:rPr>
-              <a:t>for future training iterations</a:t>
+              <a:rPr lang="en-US" sz="2000" dirty="0"/>
+              <a:t>Outputs</a:t>
             </a:r>
           </a:p>
         </p:txBody>
       </p:sp>
-      <p:cxnSp>
-        <p:nvCxnSpPr>
-          <p:cNvPr id="14" name="Straight Arrow Connector 13">
-            <a:extLst>
-              <a:ext uri="{FF2B5EF4-FFF2-40B4-BE49-F238E27FC236}">
-                <a16:creationId xmlns:a16="http://schemas.microsoft.com/office/drawing/2014/main" id="{05011B3A-3981-4D82-9F62-DEEA6790D983}"/>
-              </a:ext>
-            </a:extLst>
-          </p:cNvPr>
-          <p:cNvCxnSpPr>
-            <a:endCxn id="6" idx="0"/>
-          </p:cNvCxnSpPr>
+      <p:sp>
+        <p:nvSpPr>
+          <p:cNvPr id="14" name="Arrow: Right 13">
+            <a:extLst>
+              <a:ext uri="{FF2B5EF4-FFF2-40B4-BE49-F238E27FC236}">
+                <a16:creationId xmlns:a16="http://schemas.microsoft.com/office/drawing/2014/main" id="{E03A2072-00EC-42D4-96A4-D4E70D5CA357}"/>
+              </a:ext>
+            </a:extLst>
+          </p:cNvPr>
+          <p:cNvSpPr/>
           <p:nvPr/>
-        </p:nvCxnSpPr>
-        <p:spPr>
-          <a:xfrm flipH="1">
-            <a:off x="2292753" y="3127513"/>
-            <a:ext cx="1086551" cy="912051"/>
-          </a:xfrm>
-          <a:prstGeom prst="straightConnector1">
-            <a:avLst/>
-          </a:prstGeom>
+        </p:nvSpPr>
+        <p:spPr>
+          <a:xfrm rot="5400000">
+            <a:off x="9557251" y="680794"/>
+            <a:ext cx="419388" cy="632720"/>
+          </a:xfrm>
+          <a:prstGeom prst="rightArrow">
+            <a:avLst/>
+          </a:prstGeom>
+          <a:noFill/>
           <a:ln w="19050">
             <a:solidFill>
               <a:schemeClr val="tx1"/>
             </a:solidFill>
-            <a:tailEnd type="triangle"/>
           </a:ln>
+        </p:spPr>
+        <p:style>
+          <a:lnRef idx="2">
+            <a:schemeClr val="accent1">
+              <a:shade val="50000"/>
+            </a:schemeClr>
+          </a:lnRef>
+          <a:fillRef idx="1">
+            <a:schemeClr val="accent1"/>
+          </a:fillRef>
+          <a:effectRef idx="0">
+            <a:schemeClr val="accent1"/>
+          </a:effectRef>
+          <a:fontRef idx="minor">
+            <a:schemeClr val="lt1"/>
+          </a:fontRef>
+        </p:style>
+        <p:txBody>
+          <a:bodyPr rot="0" spcFirstLastPara="0" vertOverflow="overflow" horzOverflow="overflow" vert="horz" wrap="square" lIns="72000" tIns="72000" rIns="72000" bIns="72000" numCol="1" spcCol="0" rtlCol="0" fromWordArt="0" anchor="t" anchorCtr="0" forceAA="0" compatLnSpc="1">
+            <a:prstTxWarp prst="textNoShape">
+              <a:avLst/>
+            </a:prstTxWarp>
+            <a:noAutofit/>
+          </a:bodyPr>
+          <a:lstStyle/>
+          <a:p>
+            <a:pPr algn="l">
+              <a:spcAft>
+                <a:spcPts val="300"/>
+              </a:spcAft>
+              <a:buSzPct val="100000"/>
+            </a:pPr>
+            <a:endParaRPr lang="en-US" sz="1200" dirty="0"/>
+          </a:p>
+        </p:txBody>
+      </p:sp>
+      <p:sp>
+        <p:nvSpPr>
+          <p:cNvPr id="15" name="Arrow: Right 14">
+            <a:extLst>
+              <a:ext uri="{FF2B5EF4-FFF2-40B4-BE49-F238E27FC236}">
+                <a16:creationId xmlns:a16="http://schemas.microsoft.com/office/drawing/2014/main" id="{2C97ED74-0EF9-4A0C-B28F-507265D28862}"/>
+              </a:ext>
+            </a:extLst>
+          </p:cNvPr>
+          <p:cNvSpPr/>
+          <p:nvPr/>
+        </p:nvSpPr>
+        <p:spPr>
+          <a:xfrm rot="5400000">
+            <a:off x="9530300" y="5528498"/>
+            <a:ext cx="419388" cy="632720"/>
+          </a:xfrm>
+          <a:prstGeom prst="rightArrow">
+            <a:avLst/>
+          </a:prstGeom>
+          <a:noFill/>
+          <a:ln w="19050">
+            <a:solidFill>
+              <a:schemeClr val="tx1"/>
+            </a:solidFill>
+          </a:ln>
+        </p:spPr>
+        <p:style>
+          <a:lnRef idx="2">
+            <a:schemeClr val="accent1">
+              <a:shade val="50000"/>
+            </a:schemeClr>
+          </a:lnRef>
+          <a:fillRef idx="1">
+            <a:schemeClr val="accent1"/>
+          </a:fillRef>
+          <a:effectRef idx="0">
+            <a:schemeClr val="accent1"/>
+          </a:effectRef>
+          <a:fontRef idx="minor">
+            <a:schemeClr val="lt1"/>
+          </a:fontRef>
+        </p:style>
+        <p:txBody>
+          <a:bodyPr rot="0" spcFirstLastPara="0" vertOverflow="overflow" horzOverflow="overflow" vert="horz" wrap="square" lIns="72000" tIns="72000" rIns="72000" bIns="72000" numCol="1" spcCol="0" rtlCol="0" fromWordArt="0" anchor="t" anchorCtr="0" forceAA="0" compatLnSpc="1">
+            <a:prstTxWarp prst="textNoShape">
+              <a:avLst/>
+            </a:prstTxWarp>
+            <a:noAutofit/>
+          </a:bodyPr>
+          <a:lstStyle/>
+          <a:p>
+            <a:pPr algn="l">
+              <a:spcAft>
+                <a:spcPts val="300"/>
+              </a:spcAft>
+              <a:buSzPct val="100000"/>
+            </a:pPr>
+            <a:endParaRPr lang="en-US" sz="1200" dirty="0"/>
+          </a:p>
+        </p:txBody>
+      </p:sp>
+      <p:sp>
+        <p:nvSpPr>
+          <p:cNvPr id="16" name="TextBox 15">
+            <a:extLst>
+              <a:ext uri="{FF2B5EF4-FFF2-40B4-BE49-F238E27FC236}">
+                <a16:creationId xmlns:a16="http://schemas.microsoft.com/office/drawing/2014/main" id="{A78ECDFC-1170-4BE0-BC3E-27268E933A51}"/>
+              </a:ext>
+            </a:extLst>
+          </p:cNvPr>
+          <p:cNvSpPr txBox="1"/>
+          <p:nvPr/>
+        </p:nvSpPr>
+        <p:spPr>
+          <a:xfrm>
+            <a:off x="7995767" y="1879617"/>
+            <a:ext cx="1587717" cy="519578"/>
+          </a:xfrm>
+          <a:prstGeom prst="rect">
+            <a:avLst/>
+          </a:prstGeom>
+          <a:noFill/>
+          <a:ln w="19050">
+            <a:solidFill>
+              <a:schemeClr val="tx1"/>
+            </a:solidFill>
+          </a:ln>
+        </p:spPr>
+        <p:txBody>
+          <a:bodyPr wrap="square" lIns="72000" tIns="72000" rIns="72000" bIns="72000" rtlCol="0" anchor="ctr">
+            <a:noAutofit/>
+          </a:bodyPr>
+          <a:lstStyle/>
+          <a:p>
+            <a:pPr algn="ctr">
+              <a:spcAft>
+                <a:spcPts val="300"/>
+              </a:spcAft>
+              <a:buSzPct val="100000"/>
+            </a:pPr>
+            <a:r>
+              <a:rPr lang="en-US" sz="1600" dirty="0"/>
+              <a:t>conv_2D</a:t>
+            </a:r>
+          </a:p>
+        </p:txBody>
+      </p:sp>
+      <p:sp>
+        <p:nvSpPr>
+          <p:cNvPr id="17" name="Rectangle 16">
+            <a:extLst>
+              <a:ext uri="{FF2B5EF4-FFF2-40B4-BE49-F238E27FC236}">
+                <a16:creationId xmlns:a16="http://schemas.microsoft.com/office/drawing/2014/main" id="{DFB2EDA4-E436-49C6-A570-B731A9A4997A}"/>
+              </a:ext>
+            </a:extLst>
+          </p:cNvPr>
+          <p:cNvSpPr/>
+          <p:nvPr/>
+        </p:nvSpPr>
+        <p:spPr>
+          <a:xfrm>
+            <a:off x="7857074" y="2713500"/>
+            <a:ext cx="3730426" cy="959180"/>
+          </a:xfrm>
+          <a:prstGeom prst="rect">
+            <a:avLst/>
+          </a:prstGeom>
+          <a:solidFill>
+            <a:schemeClr val="accent6">
+              <a:lumMod val="20000"/>
+              <a:lumOff val="80000"/>
+            </a:schemeClr>
+          </a:solidFill>
+          <a:ln w="28575">
+            <a:solidFill>
+              <a:schemeClr val="tx1"/>
+            </a:solidFill>
+          </a:ln>
+        </p:spPr>
+        <p:style>
+          <a:lnRef idx="2">
+            <a:schemeClr val="accent1">
+              <a:shade val="50000"/>
+            </a:schemeClr>
+          </a:lnRef>
+          <a:fillRef idx="1">
+            <a:schemeClr val="accent1"/>
+          </a:fillRef>
+          <a:effectRef idx="0">
+            <a:schemeClr val="accent1"/>
+          </a:effectRef>
+          <a:fontRef idx="minor">
+            <a:schemeClr val="lt1"/>
+          </a:fontRef>
+        </p:style>
+        <p:txBody>
+          <a:bodyPr rot="0" spcFirstLastPara="0" vertOverflow="overflow" horzOverflow="overflow" vert="horz" wrap="square" lIns="72000" tIns="72000" rIns="72000" bIns="72000" numCol="1" spcCol="0" rtlCol="0" fromWordArt="0" anchor="t" anchorCtr="0" forceAA="0" compatLnSpc="1">
+            <a:prstTxWarp prst="textNoShape">
+              <a:avLst/>
+            </a:prstTxWarp>
+            <a:noAutofit/>
+          </a:bodyPr>
+          <a:lstStyle/>
+          <a:p>
+            <a:pPr algn="l">
+              <a:spcAft>
+                <a:spcPts val="300"/>
+              </a:spcAft>
+              <a:buSzPct val="100000"/>
+            </a:pPr>
+            <a:endParaRPr lang="en-US" sz="1200" dirty="0"/>
+          </a:p>
+        </p:txBody>
+      </p:sp>
+      <p:sp>
+        <p:nvSpPr>
+          <p:cNvPr id="18" name="TextBox 17">
+            <a:extLst>
+              <a:ext uri="{FF2B5EF4-FFF2-40B4-BE49-F238E27FC236}">
+                <a16:creationId xmlns:a16="http://schemas.microsoft.com/office/drawing/2014/main" id="{7ECFA4B7-A961-413C-B21C-0CB7B05B5189}"/>
+              </a:ext>
+            </a:extLst>
+          </p:cNvPr>
+          <p:cNvSpPr txBox="1"/>
+          <p:nvPr/>
+        </p:nvSpPr>
+        <p:spPr>
+          <a:xfrm>
+            <a:off x="8789626" y="2657538"/>
+            <a:ext cx="1716657" cy="430468"/>
+          </a:xfrm>
+          <a:prstGeom prst="rect">
+            <a:avLst/>
+          </a:prstGeom>
+          <a:noFill/>
+        </p:spPr>
+        <p:txBody>
+          <a:bodyPr wrap="none" lIns="72000" tIns="72000" rIns="72000" bIns="72000" rtlCol="0">
+            <a:noAutofit/>
+          </a:bodyPr>
+          <a:lstStyle/>
+          <a:p>
+            <a:pPr algn="ctr">
+              <a:spcAft>
+                <a:spcPts val="300"/>
+              </a:spcAft>
+              <a:buSzPct val="100000"/>
+            </a:pPr>
+            <a:r>
+              <a:rPr lang="en-US" dirty="0"/>
+              <a:t>conv_pool_2</a:t>
+            </a:r>
+          </a:p>
+        </p:txBody>
+      </p:sp>
+      <p:sp>
+        <p:nvSpPr>
+          <p:cNvPr id="19" name="TextBox 18">
+            <a:extLst>
+              <a:ext uri="{FF2B5EF4-FFF2-40B4-BE49-F238E27FC236}">
+                <a16:creationId xmlns:a16="http://schemas.microsoft.com/office/drawing/2014/main" id="{A8079B57-93B5-49CC-A1A4-8668B9992458}"/>
+              </a:ext>
+            </a:extLst>
+          </p:cNvPr>
+          <p:cNvSpPr txBox="1"/>
+          <p:nvPr/>
+        </p:nvSpPr>
+        <p:spPr>
+          <a:xfrm>
+            <a:off x="9873806" y="3056837"/>
+            <a:ext cx="1587717" cy="519578"/>
+          </a:xfrm>
+          <a:prstGeom prst="rect">
+            <a:avLst/>
+          </a:prstGeom>
+          <a:noFill/>
+          <a:ln w="19050">
+            <a:solidFill>
+              <a:schemeClr val="tx1"/>
+            </a:solidFill>
+          </a:ln>
+        </p:spPr>
+        <p:txBody>
+          <a:bodyPr wrap="square" lIns="72000" tIns="72000" rIns="72000" bIns="72000" rtlCol="0" anchor="ctr">
+            <a:noAutofit/>
+          </a:bodyPr>
+          <a:lstStyle/>
+          <a:p>
+            <a:pPr algn="ctr">
+              <a:spcAft>
+                <a:spcPts val="300"/>
+              </a:spcAft>
+              <a:buSzPct val="100000"/>
+            </a:pPr>
+            <a:r>
+              <a:rPr lang="en-US" sz="1600" dirty="0"/>
+              <a:t>pool_2D</a:t>
+            </a:r>
+          </a:p>
+        </p:txBody>
+      </p:sp>
+      <p:sp>
+        <p:nvSpPr>
+          <p:cNvPr id="20" name="TextBox 19">
+            <a:extLst>
+              <a:ext uri="{FF2B5EF4-FFF2-40B4-BE49-F238E27FC236}">
+                <a16:creationId xmlns:a16="http://schemas.microsoft.com/office/drawing/2014/main" id="{FB8D113E-CE8C-4D7C-8817-AE265C012E1F}"/>
+              </a:ext>
+            </a:extLst>
+          </p:cNvPr>
+          <p:cNvSpPr txBox="1"/>
+          <p:nvPr/>
+        </p:nvSpPr>
+        <p:spPr>
+          <a:xfrm>
+            <a:off x="7995767" y="3052365"/>
+            <a:ext cx="1587717" cy="519578"/>
+          </a:xfrm>
+          <a:prstGeom prst="rect">
+            <a:avLst/>
+          </a:prstGeom>
+          <a:noFill/>
+          <a:ln w="19050">
+            <a:solidFill>
+              <a:schemeClr val="tx1"/>
+            </a:solidFill>
+          </a:ln>
+        </p:spPr>
+        <p:txBody>
+          <a:bodyPr wrap="square" lIns="72000" tIns="72000" rIns="72000" bIns="72000" rtlCol="0" anchor="ctr">
+            <a:noAutofit/>
+          </a:bodyPr>
+          <a:lstStyle/>
+          <a:p>
+            <a:pPr algn="ctr">
+              <a:spcAft>
+                <a:spcPts val="300"/>
+              </a:spcAft>
+              <a:buSzPct val="100000"/>
+            </a:pPr>
+            <a:r>
+              <a:rPr lang="en-US" sz="1600" dirty="0"/>
+              <a:t>conv_2D</a:t>
+            </a:r>
+          </a:p>
+        </p:txBody>
+      </p:sp>
+      <p:sp>
+        <p:nvSpPr>
+          <p:cNvPr id="21" name="Rectangle 20">
+            <a:extLst>
+              <a:ext uri="{FF2B5EF4-FFF2-40B4-BE49-F238E27FC236}">
+                <a16:creationId xmlns:a16="http://schemas.microsoft.com/office/drawing/2014/main" id="{D73FCC09-D959-4BDD-841A-2E094C7797C0}"/>
+              </a:ext>
+            </a:extLst>
+          </p:cNvPr>
+          <p:cNvSpPr/>
+          <p:nvPr/>
+        </p:nvSpPr>
+        <p:spPr>
+          <a:xfrm>
+            <a:off x="7857074" y="4374768"/>
+            <a:ext cx="3730426" cy="968121"/>
+          </a:xfrm>
+          <a:prstGeom prst="rect">
+            <a:avLst/>
+          </a:prstGeom>
+          <a:solidFill>
+            <a:schemeClr val="accent6">
+              <a:lumMod val="20000"/>
+              <a:lumOff val="80000"/>
+            </a:schemeClr>
+          </a:solidFill>
+          <a:ln w="28575">
+            <a:solidFill>
+              <a:schemeClr val="tx1"/>
+            </a:solidFill>
+          </a:ln>
+        </p:spPr>
+        <p:style>
+          <a:lnRef idx="2">
+            <a:schemeClr val="accent1">
+              <a:shade val="50000"/>
+            </a:schemeClr>
+          </a:lnRef>
+          <a:fillRef idx="1">
+            <a:schemeClr val="accent1"/>
+          </a:fillRef>
+          <a:effectRef idx="0">
+            <a:schemeClr val="accent1"/>
+          </a:effectRef>
+          <a:fontRef idx="minor">
+            <a:schemeClr val="lt1"/>
+          </a:fontRef>
+        </p:style>
+        <p:txBody>
+          <a:bodyPr rot="0" spcFirstLastPara="0" vertOverflow="overflow" horzOverflow="overflow" vert="horz" wrap="square" lIns="72000" tIns="72000" rIns="72000" bIns="72000" numCol="1" spcCol="0" rtlCol="0" fromWordArt="0" anchor="t" anchorCtr="0" forceAA="0" compatLnSpc="1">
+            <a:prstTxWarp prst="textNoShape">
+              <a:avLst/>
+            </a:prstTxWarp>
+            <a:noAutofit/>
+          </a:bodyPr>
+          <a:lstStyle/>
+          <a:p>
+            <a:pPr algn="l">
+              <a:spcAft>
+                <a:spcPts val="300"/>
+              </a:spcAft>
+              <a:buSzPct val="100000"/>
+            </a:pPr>
+            <a:endParaRPr lang="en-US" sz="1200" dirty="0"/>
+          </a:p>
+        </p:txBody>
+      </p:sp>
+      <p:sp>
+        <p:nvSpPr>
+          <p:cNvPr id="22" name="TextBox 21">
+            <a:extLst>
+              <a:ext uri="{FF2B5EF4-FFF2-40B4-BE49-F238E27FC236}">
+                <a16:creationId xmlns:a16="http://schemas.microsoft.com/office/drawing/2014/main" id="{F4BD8F82-5BAF-4863-BEC3-2DD3E6AC0F4B}"/>
+              </a:ext>
+            </a:extLst>
+          </p:cNvPr>
+          <p:cNvSpPr txBox="1"/>
+          <p:nvPr/>
+        </p:nvSpPr>
+        <p:spPr>
+          <a:xfrm>
+            <a:off x="8789626" y="4339865"/>
+            <a:ext cx="1716657" cy="430468"/>
+          </a:xfrm>
+          <a:prstGeom prst="rect">
+            <a:avLst/>
+          </a:prstGeom>
+          <a:noFill/>
+        </p:spPr>
+        <p:txBody>
+          <a:bodyPr wrap="none" lIns="72000" tIns="72000" rIns="72000" bIns="72000" rtlCol="0">
+            <a:noAutofit/>
+          </a:bodyPr>
+          <a:lstStyle/>
+          <a:p>
+            <a:pPr algn="ctr">
+              <a:spcAft>
+                <a:spcPts val="300"/>
+              </a:spcAft>
+              <a:buSzPct val="100000"/>
+            </a:pPr>
+            <a:r>
+              <a:rPr lang="en-US" dirty="0"/>
+              <a:t>multi_linear</a:t>
+            </a:r>
+          </a:p>
+        </p:txBody>
+      </p:sp>
+      <p:sp>
+        <p:nvSpPr>
+          <p:cNvPr id="23" name="TextBox 22">
+            <a:extLst>
+              <a:ext uri="{FF2B5EF4-FFF2-40B4-BE49-F238E27FC236}">
+                <a16:creationId xmlns:a16="http://schemas.microsoft.com/office/drawing/2014/main" id="{AEEC7F63-D718-4418-80F0-7ABD34212342}"/>
+              </a:ext>
+            </a:extLst>
+          </p:cNvPr>
+          <p:cNvSpPr txBox="1"/>
+          <p:nvPr/>
+        </p:nvSpPr>
+        <p:spPr>
+          <a:xfrm>
+            <a:off x="9873806" y="4727047"/>
+            <a:ext cx="1587717" cy="519578"/>
+          </a:xfrm>
+          <a:prstGeom prst="rect">
+            <a:avLst/>
+          </a:prstGeom>
+          <a:noFill/>
+          <a:ln w="19050">
+            <a:solidFill>
+              <a:schemeClr val="tx1"/>
+            </a:solidFill>
+          </a:ln>
+        </p:spPr>
+        <p:txBody>
+          <a:bodyPr wrap="square" lIns="72000" tIns="72000" rIns="72000" bIns="72000" rtlCol="0" anchor="ctr">
+            <a:noAutofit/>
+          </a:bodyPr>
+          <a:lstStyle/>
+          <a:p>
+            <a:pPr algn="ctr">
+              <a:spcAft>
+                <a:spcPts val="300"/>
+              </a:spcAft>
+              <a:buSzPct val="100000"/>
+            </a:pPr>
+            <a:r>
+              <a:rPr lang="en-US" sz="1600" dirty="0"/>
+              <a:t>linear_2</a:t>
+            </a:r>
+          </a:p>
+        </p:txBody>
+      </p:sp>
+      <p:sp>
+        <p:nvSpPr>
+          <p:cNvPr id="24" name="TextBox 23">
+            <a:extLst>
+              <a:ext uri="{FF2B5EF4-FFF2-40B4-BE49-F238E27FC236}">
+                <a16:creationId xmlns:a16="http://schemas.microsoft.com/office/drawing/2014/main" id="{1DF6ED2B-A0B0-48B4-BE37-C4A25723F5EE}"/>
+              </a:ext>
+            </a:extLst>
+          </p:cNvPr>
+          <p:cNvSpPr txBox="1"/>
+          <p:nvPr/>
+        </p:nvSpPr>
+        <p:spPr>
+          <a:xfrm>
+            <a:off x="7995767" y="4722575"/>
+            <a:ext cx="1587717" cy="519578"/>
+          </a:xfrm>
+          <a:prstGeom prst="rect">
+            <a:avLst/>
+          </a:prstGeom>
+          <a:noFill/>
+          <a:ln w="19050">
+            <a:solidFill>
+              <a:schemeClr val="tx1"/>
+            </a:solidFill>
+          </a:ln>
+        </p:spPr>
+        <p:txBody>
+          <a:bodyPr wrap="square" lIns="72000" tIns="72000" rIns="72000" bIns="72000" rtlCol="0" anchor="ctr">
+            <a:noAutofit/>
+          </a:bodyPr>
+          <a:lstStyle/>
+          <a:p>
+            <a:pPr algn="ctr">
+              <a:spcAft>
+                <a:spcPts val="300"/>
+              </a:spcAft>
+              <a:buSzPct val="100000"/>
+            </a:pPr>
+            <a:r>
+              <a:rPr lang="en-US" sz="1600" dirty="0"/>
+              <a:t>linear_1</a:t>
+            </a:r>
+          </a:p>
+        </p:txBody>
+      </p:sp>
+      <p:sp>
+        <p:nvSpPr>
+          <p:cNvPr id="25" name="Rectangle 24">
+            <a:extLst>
+              <a:ext uri="{FF2B5EF4-FFF2-40B4-BE49-F238E27FC236}">
+                <a16:creationId xmlns:a16="http://schemas.microsoft.com/office/drawing/2014/main" id="{A8AB8C48-5400-4B35-9BFC-ED29D9FC3237}"/>
+              </a:ext>
+            </a:extLst>
+          </p:cNvPr>
+          <p:cNvSpPr/>
+          <p:nvPr/>
+        </p:nvSpPr>
+        <p:spPr>
+          <a:xfrm>
+            <a:off x="7857074" y="3849328"/>
+            <a:ext cx="3730426" cy="348792"/>
+          </a:xfrm>
+          <a:prstGeom prst="rect">
+            <a:avLst/>
+          </a:prstGeom>
+          <a:solidFill>
+            <a:schemeClr val="accent6">
+              <a:lumMod val="20000"/>
+              <a:lumOff val="80000"/>
+            </a:schemeClr>
+          </a:solidFill>
+          <a:ln w="28575">
+            <a:solidFill>
+              <a:schemeClr val="tx1"/>
+            </a:solidFill>
+          </a:ln>
+        </p:spPr>
+        <p:style>
+          <a:lnRef idx="2">
+            <a:schemeClr val="accent1">
+              <a:shade val="50000"/>
+            </a:schemeClr>
+          </a:lnRef>
+          <a:fillRef idx="1">
+            <a:schemeClr val="accent1"/>
+          </a:fillRef>
+          <a:effectRef idx="0">
+            <a:schemeClr val="accent1"/>
+          </a:effectRef>
+          <a:fontRef idx="minor">
+            <a:schemeClr val="lt1"/>
+          </a:fontRef>
+        </p:style>
+        <p:txBody>
+          <a:bodyPr rot="0" spcFirstLastPara="0" vertOverflow="overflow" horzOverflow="overflow" vert="horz" wrap="square" lIns="72000" tIns="72000" rIns="72000" bIns="72000" numCol="1" spcCol="0" rtlCol="0" fromWordArt="0" anchor="ctr" anchorCtr="0" forceAA="0" compatLnSpc="1">
+            <a:prstTxWarp prst="textNoShape">
+              <a:avLst/>
+            </a:prstTxWarp>
+            <a:noAutofit/>
+          </a:bodyPr>
+          <a:lstStyle/>
+          <a:p>
+            <a:pPr algn="ctr">
+              <a:spcAft>
+                <a:spcPts val="300"/>
+              </a:spcAft>
+              <a:buSzPct val="100000"/>
+            </a:pPr>
+            <a:r>
+              <a:rPr lang="en-US" sz="1600" dirty="0">
+                <a:solidFill>
+                  <a:schemeClr val="tx1"/>
+                </a:solidFill>
+              </a:rPr>
+              <a:t>flatten</a:t>
+            </a:r>
+          </a:p>
+        </p:txBody>
+      </p:sp>
+      <p:sp>
+        <p:nvSpPr>
+          <p:cNvPr id="4" name="Left Brace 3">
+            <a:extLst>
+              <a:ext uri="{FF2B5EF4-FFF2-40B4-BE49-F238E27FC236}">
+                <a16:creationId xmlns:a16="http://schemas.microsoft.com/office/drawing/2014/main" id="{EFDA4B62-7CFA-489A-A4B2-A61ED21C0349}"/>
+              </a:ext>
+            </a:extLst>
+          </p:cNvPr>
+          <p:cNvSpPr/>
+          <p:nvPr/>
+        </p:nvSpPr>
+        <p:spPr>
+          <a:xfrm rot="16200000">
+            <a:off x="2583152" y="4089177"/>
+            <a:ext cx="224118" cy="1763420"/>
+          </a:xfrm>
+          <a:prstGeom prst="leftBrace">
+            <a:avLst/>
+          </a:prstGeom>
+          <a:ln w="19050"/>
         </p:spPr>
         <p:style>
           <a:lnRef idx="1">
@@ -11785,36 +12873,36 @@
             <a:schemeClr val="tx1"/>
           </a:fontRef>
         </p:style>
-      </p:cxnSp>
-      <p:cxnSp>
-        <p:nvCxnSpPr>
-          <p:cNvPr id="15" name="Straight Arrow Connector 14">
-            <a:extLst>
-              <a:ext uri="{FF2B5EF4-FFF2-40B4-BE49-F238E27FC236}">
-                <a16:creationId xmlns:a16="http://schemas.microsoft.com/office/drawing/2014/main" id="{5E999D94-1995-4F0C-A9DC-977E23012EC7}"/>
-              </a:ext>
-            </a:extLst>
-          </p:cNvPr>
-          <p:cNvCxnSpPr>
-            <a:cxnSpLocks/>
-            <a:endCxn id="8" idx="0"/>
-          </p:cNvCxnSpPr>
+        <p:txBody>
+          <a:bodyPr rtlCol="0" anchor="ctr"/>
+          <a:lstStyle/>
+          <a:p>
+            <a:pPr algn="ctr"/>
+            <a:endParaRPr lang="en-US"/>
+          </a:p>
+        </p:txBody>
+      </p:sp>
+      <p:sp>
+        <p:nvSpPr>
+          <p:cNvPr id="26" name="Left Brace 25">
+            <a:extLst>
+              <a:ext uri="{FF2B5EF4-FFF2-40B4-BE49-F238E27FC236}">
+                <a16:creationId xmlns:a16="http://schemas.microsoft.com/office/drawing/2014/main" id="{56EA31E3-C5B3-4EFA-9F69-EBBC6AA9A442}"/>
+              </a:ext>
+            </a:extLst>
+          </p:cNvPr>
+          <p:cNvSpPr/>
           <p:nvPr/>
-        </p:nvCxnSpPr>
-        <p:spPr>
-          <a:xfrm>
-            <a:off x="4784036" y="3127513"/>
-            <a:ext cx="1113191" cy="877326"/>
-          </a:xfrm>
-          <a:prstGeom prst="straightConnector1">
-            <a:avLst/>
-          </a:prstGeom>
-          <a:ln w="19050">
-            <a:solidFill>
-              <a:schemeClr val="tx1"/>
-            </a:solidFill>
-            <a:tailEnd type="triangle"/>
-          </a:ln>
+        </p:nvSpPr>
+        <p:spPr>
+          <a:xfrm rot="16200000">
+            <a:off x="4621864" y="4108339"/>
+            <a:ext cx="217168" cy="1726411"/>
+          </a:xfrm>
+          <a:prstGeom prst="leftBrace">
+            <a:avLst/>
+          </a:prstGeom>
+          <a:ln w="19050"/>
         </p:spPr>
         <p:style>
           <a:lnRef idx="1">
@@ -11830,36 +12918,36 @@
             <a:schemeClr val="tx1"/>
           </a:fontRef>
         </p:style>
-      </p:cxnSp>
-      <p:cxnSp>
-        <p:nvCxnSpPr>
-          <p:cNvPr id="18" name="Straight Arrow Connector 17">
-            <a:extLst>
-              <a:ext uri="{FF2B5EF4-FFF2-40B4-BE49-F238E27FC236}">
-                <a16:creationId xmlns:a16="http://schemas.microsoft.com/office/drawing/2014/main" id="{ABFDE885-4586-4F2A-9D86-52FB70132309}"/>
-              </a:ext>
-            </a:extLst>
-          </p:cNvPr>
-          <p:cNvCxnSpPr>
-            <a:cxnSpLocks/>
-            <a:endCxn id="9" idx="0"/>
-          </p:cNvCxnSpPr>
+        <p:txBody>
+          <a:bodyPr rtlCol="0" anchor="ctr"/>
+          <a:lstStyle/>
+          <a:p>
+            <a:pPr algn="ctr"/>
+            <a:endParaRPr lang="en-US"/>
+          </a:p>
+        </p:txBody>
+      </p:sp>
+      <p:sp>
+        <p:nvSpPr>
+          <p:cNvPr id="27" name="Left Brace 26">
+            <a:extLst>
+              <a:ext uri="{FF2B5EF4-FFF2-40B4-BE49-F238E27FC236}">
+                <a16:creationId xmlns:a16="http://schemas.microsoft.com/office/drawing/2014/main" id="{4E0D780D-92B4-4674-A383-5E6A377F0896}"/>
+              </a:ext>
+            </a:extLst>
+          </p:cNvPr>
+          <p:cNvSpPr/>
           <p:nvPr/>
-        </p:nvCxnSpPr>
-        <p:spPr>
-          <a:xfrm>
-            <a:off x="8534401" y="3127513"/>
-            <a:ext cx="1106198" cy="912051"/>
-          </a:xfrm>
-          <a:prstGeom prst="straightConnector1">
-            <a:avLst/>
-          </a:prstGeom>
-          <a:ln w="19050">
-            <a:solidFill>
-              <a:schemeClr val="tx1"/>
-            </a:solidFill>
-            <a:tailEnd type="triangle"/>
-          </a:ln>
+        </p:nvSpPr>
+        <p:spPr>
+          <a:xfrm rot="16200000">
+            <a:off x="6157188" y="4531302"/>
+            <a:ext cx="224119" cy="887440"/>
+          </a:xfrm>
+          <a:prstGeom prst="leftBrace">
+            <a:avLst/>
+          </a:prstGeom>
+          <a:ln w="19050"/>
         </p:spPr>
         <p:style>
           <a:lnRef idx="1">
@@ -11875,11 +12963,183 @@
             <a:schemeClr val="tx1"/>
           </a:fontRef>
         </p:style>
-      </p:cxnSp>
+        <p:txBody>
+          <a:bodyPr rtlCol="0" anchor="ctr"/>
+          <a:lstStyle/>
+          <a:p>
+            <a:pPr algn="ctr"/>
+            <a:endParaRPr lang="en-US"/>
+          </a:p>
+        </p:txBody>
+      </p:sp>
+      <p:sp>
+        <p:nvSpPr>
+          <p:cNvPr id="28" name="TextBox 27">
+            <a:extLst>
+              <a:ext uri="{FF2B5EF4-FFF2-40B4-BE49-F238E27FC236}">
+                <a16:creationId xmlns:a16="http://schemas.microsoft.com/office/drawing/2014/main" id="{7410DE48-666B-42E3-B6E3-353604D1E34E}"/>
+              </a:ext>
+            </a:extLst>
+          </p:cNvPr>
+          <p:cNvSpPr txBox="1"/>
+          <p:nvPr/>
+        </p:nvSpPr>
+        <p:spPr>
+          <a:xfrm>
+            <a:off x="1860263" y="5080129"/>
+            <a:ext cx="1716657" cy="430468"/>
+          </a:xfrm>
+          <a:prstGeom prst="rect">
+            <a:avLst/>
+          </a:prstGeom>
+          <a:noFill/>
+        </p:spPr>
+        <p:txBody>
+          <a:bodyPr wrap="none" lIns="72000" tIns="72000" rIns="72000" bIns="72000" rtlCol="0">
+            <a:noAutofit/>
+          </a:bodyPr>
+          <a:lstStyle/>
+          <a:p>
+            <a:pPr algn="ctr">
+              <a:spcAft>
+                <a:spcPts val="300"/>
+              </a:spcAft>
+              <a:buSzPct val="100000"/>
+            </a:pPr>
+            <a:r>
+              <a:rPr lang="en-US" dirty="0"/>
+              <a:t>ConvPool</a:t>
+            </a:r>
+          </a:p>
+        </p:txBody>
+      </p:sp>
+      <p:sp>
+        <p:nvSpPr>
+          <p:cNvPr id="30" name="TextBox 29">
+            <a:extLst>
+              <a:ext uri="{FF2B5EF4-FFF2-40B4-BE49-F238E27FC236}">
+                <a16:creationId xmlns:a16="http://schemas.microsoft.com/office/drawing/2014/main" id="{05F149AD-AD53-405A-AA9E-04610159253C}"/>
+              </a:ext>
+            </a:extLst>
+          </p:cNvPr>
+          <p:cNvSpPr txBox="1"/>
+          <p:nvPr/>
+        </p:nvSpPr>
+        <p:spPr>
+          <a:xfrm>
+            <a:off x="3935622" y="5087082"/>
+            <a:ext cx="1716657" cy="430468"/>
+          </a:xfrm>
+          <a:prstGeom prst="rect">
+            <a:avLst/>
+          </a:prstGeom>
+          <a:noFill/>
+        </p:spPr>
+        <p:txBody>
+          <a:bodyPr wrap="none" lIns="72000" tIns="72000" rIns="72000" bIns="72000" rtlCol="0">
+            <a:noAutofit/>
+          </a:bodyPr>
+          <a:lstStyle/>
+          <a:p>
+            <a:pPr algn="ctr">
+              <a:spcAft>
+                <a:spcPts val="300"/>
+              </a:spcAft>
+              <a:buSzPct val="100000"/>
+            </a:pPr>
+            <a:r>
+              <a:rPr lang="en-US" dirty="0"/>
+              <a:t>ConvPool</a:t>
+            </a:r>
+          </a:p>
+        </p:txBody>
+      </p:sp>
+      <p:sp>
+        <p:nvSpPr>
+          <p:cNvPr id="31" name="TextBox 30">
+            <a:extLst>
+              <a:ext uri="{FF2B5EF4-FFF2-40B4-BE49-F238E27FC236}">
+                <a16:creationId xmlns:a16="http://schemas.microsoft.com/office/drawing/2014/main" id="{DC450E16-19FA-4AA7-A31B-C564C504DF89}"/>
+              </a:ext>
+            </a:extLst>
+          </p:cNvPr>
+          <p:cNvSpPr txBox="1"/>
+          <p:nvPr/>
+        </p:nvSpPr>
+        <p:spPr>
+          <a:xfrm>
+            <a:off x="5351435" y="5087082"/>
+            <a:ext cx="1716657" cy="430468"/>
+          </a:xfrm>
+          <a:prstGeom prst="rect">
+            <a:avLst/>
+          </a:prstGeom>
+          <a:noFill/>
+        </p:spPr>
+        <p:txBody>
+          <a:bodyPr wrap="none" lIns="72000" tIns="72000" rIns="72000" bIns="72000" rtlCol="0">
+            <a:noAutofit/>
+          </a:bodyPr>
+          <a:lstStyle/>
+          <a:p>
+            <a:pPr algn="ctr">
+              <a:spcAft>
+                <a:spcPts val="300"/>
+              </a:spcAft>
+              <a:buSzPct val="100000"/>
+            </a:pPr>
+            <a:r>
+              <a:rPr lang="en-US" dirty="0"/>
+              <a:t>MultiLinear</a:t>
+            </a:r>
+          </a:p>
+        </p:txBody>
+      </p:sp>
+      <p:sp>
+        <p:nvSpPr>
+          <p:cNvPr id="32" name="TextBox 31">
+            <a:extLst>
+              <a:ext uri="{FF2B5EF4-FFF2-40B4-BE49-F238E27FC236}">
+                <a16:creationId xmlns:a16="http://schemas.microsoft.com/office/drawing/2014/main" id="{22007313-E544-48DB-A479-D926EE041F3F}"/>
+              </a:ext>
+            </a:extLst>
+          </p:cNvPr>
+          <p:cNvSpPr txBox="1"/>
+          <p:nvPr/>
+        </p:nvSpPr>
+        <p:spPr>
+          <a:xfrm>
+            <a:off x="6712968" y="2930375"/>
+            <a:ext cx="914400" cy="914400"/>
+          </a:xfrm>
+          <a:prstGeom prst="rect">
+            <a:avLst/>
+          </a:prstGeom>
+          <a:noFill/>
+        </p:spPr>
+        <p:txBody>
+          <a:bodyPr wrap="none" lIns="72000" tIns="72000" rIns="72000" bIns="72000" rtlCol="0">
+            <a:noAutofit/>
+          </a:bodyPr>
+          <a:lstStyle/>
+          <a:p>
+            <a:pPr algn="l">
+              <a:spcAft>
+                <a:spcPts val="300"/>
+              </a:spcAft>
+              <a:buSzPct val="100000"/>
+            </a:pPr>
+            <a:r>
+              <a:rPr lang="en-US" sz="8000" dirty="0"/>
+              <a:t>=</a:t>
+            </a:r>
+          </a:p>
+        </p:txBody>
+      </p:sp>
     </p:spTree>
     <p:extLst>
       <p:ext uri="{BB962C8B-B14F-4D97-AF65-F5344CB8AC3E}">
-        <p14:creationId xmlns:p14="http://schemas.microsoft.com/office/powerpoint/2010/main" val="2061446664"/>
+        <p14:creationId xmlns:p14="http://schemas.microsoft.com/office/powerpoint/2010/main" val="904569231"/>
       </p:ext>
     </p:extLst>
   </p:cSld>
@@ -12006,1404 +13266,6 @@
 </file>
 
 <file path=ppt/slides/slide20.xml><?xml version="1.0" encoding="utf-8"?>
-<p:sld xmlns:a="http://schemas.openxmlformats.org/drawingml/2006/main" xmlns:r="http://schemas.openxmlformats.org/officeDocument/2006/relationships" xmlns:p="http://schemas.openxmlformats.org/presentationml/2006/main">
-  <p:cSld>
-    <p:spTree>
-      <p:nvGrpSpPr>
-        <p:cNvPr id="1" name=""/>
-        <p:cNvGrpSpPr/>
-        <p:nvPr/>
-      </p:nvGrpSpPr>
-      <p:grpSpPr>
-        <a:xfrm>
-          <a:off x="0" y="0"/>
-          <a:ext cx="0" cy="0"/>
-          <a:chOff x="0" y="0"/>
-          <a:chExt cx="0" cy="0"/>
-        </a:xfrm>
-      </p:grpSpPr>
-      <p:sp>
-        <p:nvSpPr>
-          <p:cNvPr id="3" name="Text Placeholder 2">
-            <a:extLst>
-              <a:ext uri="{FF2B5EF4-FFF2-40B4-BE49-F238E27FC236}">
-                <a16:creationId xmlns:a16="http://schemas.microsoft.com/office/drawing/2014/main" id="{3A02FC7B-89F4-47A4-82F7-23AE74151938}"/>
-              </a:ext>
-            </a:extLst>
-          </p:cNvPr>
-          <p:cNvSpPr>
-            <a:spLocks noGrp="1"/>
-          </p:cNvSpPr>
-          <p:nvPr>
-            <p:ph type="body" sz="quarter" idx="12"/>
-          </p:nvPr>
-        </p:nvSpPr>
-        <p:spPr>
-          <a:xfrm>
-            <a:off x="833718" y="507916"/>
-            <a:ext cx="6743693" cy="300664"/>
-          </a:xfrm>
-          <a:prstGeom prst="rect">
-            <a:avLst/>
-          </a:prstGeom>
-        </p:spPr>
-        <p:txBody>
-          <a:bodyPr/>
-          <a:lstStyle/>
-          <a:p>
-            <a:r>
-              <a:rPr lang="en-US" sz="3200" dirty="0"/>
-              <a:t>3. Tensorflow for experts</a:t>
-            </a:r>
-          </a:p>
-        </p:txBody>
-      </p:sp>
-      <p:sp>
-        <p:nvSpPr>
-          <p:cNvPr id="13" name="TextBox 12">
-            <a:extLst>
-              <a:ext uri="{FF2B5EF4-FFF2-40B4-BE49-F238E27FC236}">
-                <a16:creationId xmlns:a16="http://schemas.microsoft.com/office/drawing/2014/main" id="{1F5DFE5C-4663-44DE-8021-C88C9DFD20B9}"/>
-              </a:ext>
-            </a:extLst>
-          </p:cNvPr>
-          <p:cNvSpPr txBox="1"/>
-          <p:nvPr/>
-        </p:nvSpPr>
-        <p:spPr>
-          <a:xfrm>
-            <a:off x="833718" y="1002229"/>
-            <a:ext cx="8390964" cy="566595"/>
-          </a:xfrm>
-          <a:prstGeom prst="rect">
-            <a:avLst/>
-          </a:prstGeom>
-          <a:noFill/>
-        </p:spPr>
-        <p:txBody>
-          <a:bodyPr wrap="square" lIns="72000" tIns="72000" rIns="72000" bIns="72000" rtlCol="0">
-            <a:noAutofit/>
-          </a:bodyPr>
-          <a:lstStyle/>
-          <a:p>
-            <a:pPr algn="l">
-              <a:spcAft>
-                <a:spcPts val="300"/>
-              </a:spcAft>
-              <a:buSzPct val="100000"/>
-            </a:pPr>
-            <a:r>
-              <a:rPr lang="en-US" sz="2400" dirty="0"/>
-              <a:t>Creating custom models and layers</a:t>
-            </a:r>
-          </a:p>
-        </p:txBody>
-      </p:sp>
-      <p:pic>
-        <p:nvPicPr>
-          <p:cNvPr id="6" name="Picture 5">
-            <a:extLst>
-              <a:ext uri="{FF2B5EF4-FFF2-40B4-BE49-F238E27FC236}">
-                <a16:creationId xmlns:a16="http://schemas.microsoft.com/office/drawing/2014/main" id="{C0168F7F-CA57-40AD-A9CA-4E71A16B47FF}"/>
-              </a:ext>
-            </a:extLst>
-          </p:cNvPr>
-          <p:cNvPicPr>
-            <a:picLocks noChangeAspect="1"/>
-          </p:cNvPicPr>
-          <p:nvPr/>
-        </p:nvPicPr>
-        <p:blipFill>
-          <a:blip r:embed="rId2">
-            <a:extLst>
-              <a:ext uri="{BEBA8EAE-BF5A-486C-A8C5-ECC9F3942E4B}">
-                <a14:imgProps xmlns:a14="http://schemas.microsoft.com/office/drawing/2010/main">
-                  <a14:imgLayer r:embed="rId3">
-                    <a14:imgEffect>
-                      <a14:saturation sat="0"/>
-                    </a14:imgEffect>
-                  </a14:imgLayer>
-                </a14:imgProps>
-              </a:ext>
-              <a:ext uri="{28A0092B-C50C-407E-A947-70E740481C1C}">
-                <a14:useLocalDpi xmlns:a14="http://schemas.microsoft.com/office/drawing/2010/main" val="0"/>
-              </a:ext>
-            </a:extLst>
-          </a:blip>
-          <a:stretch>
-            <a:fillRect/>
-          </a:stretch>
-        </p:blipFill>
-        <p:spPr>
-          <a:xfrm>
-            <a:off x="130454" y="2872772"/>
-            <a:ext cx="6609620" cy="1944006"/>
-          </a:xfrm>
-          <a:prstGeom prst="rect">
-            <a:avLst/>
-          </a:prstGeom>
-        </p:spPr>
-      </p:pic>
-      <p:sp>
-        <p:nvSpPr>
-          <p:cNvPr id="7" name="Rectangle 6">
-            <a:extLst>
-              <a:ext uri="{FF2B5EF4-FFF2-40B4-BE49-F238E27FC236}">
-                <a16:creationId xmlns:a16="http://schemas.microsoft.com/office/drawing/2014/main" id="{7911B864-450B-4CB1-BFC7-203BCA8FF5CD}"/>
-              </a:ext>
-            </a:extLst>
-          </p:cNvPr>
-          <p:cNvSpPr/>
-          <p:nvPr/>
-        </p:nvSpPr>
-        <p:spPr>
-          <a:xfrm>
-            <a:off x="7727640" y="1393315"/>
-            <a:ext cx="3989294" cy="4071369"/>
-          </a:xfrm>
-          <a:prstGeom prst="rect">
-            <a:avLst/>
-          </a:prstGeom>
-          <a:solidFill>
-            <a:schemeClr val="accent1">
-              <a:lumMod val="20000"/>
-              <a:lumOff val="80000"/>
-            </a:schemeClr>
-          </a:solidFill>
-          <a:ln w="28575">
-            <a:solidFill>
-              <a:schemeClr val="tx1"/>
-            </a:solidFill>
-          </a:ln>
-        </p:spPr>
-        <p:style>
-          <a:lnRef idx="2">
-            <a:schemeClr val="accent1">
-              <a:shade val="50000"/>
-            </a:schemeClr>
-          </a:lnRef>
-          <a:fillRef idx="1">
-            <a:schemeClr val="accent1"/>
-          </a:fillRef>
-          <a:effectRef idx="0">
-            <a:schemeClr val="accent1"/>
-          </a:effectRef>
-          <a:fontRef idx="minor">
-            <a:schemeClr val="lt1"/>
-          </a:fontRef>
-        </p:style>
-        <p:txBody>
-          <a:bodyPr rot="0" spcFirstLastPara="0" vertOverflow="overflow" horzOverflow="overflow" vert="horz" wrap="square" lIns="72000" tIns="72000" rIns="72000" bIns="72000" numCol="1" spcCol="0" rtlCol="0" fromWordArt="0" anchor="t" anchorCtr="0" forceAA="0" compatLnSpc="1">
-            <a:prstTxWarp prst="textNoShape">
-              <a:avLst/>
-            </a:prstTxWarp>
-            <a:noAutofit/>
-          </a:bodyPr>
-          <a:lstStyle/>
-          <a:p>
-            <a:pPr algn="l">
-              <a:spcAft>
-                <a:spcPts val="300"/>
-              </a:spcAft>
-              <a:buSzPct val="100000"/>
-            </a:pPr>
-            <a:endParaRPr lang="en-US" sz="1200" dirty="0"/>
-          </a:p>
-        </p:txBody>
-      </p:sp>
-      <p:sp>
-        <p:nvSpPr>
-          <p:cNvPr id="8" name="Rectangle 7">
-            <a:extLst>
-              <a:ext uri="{FF2B5EF4-FFF2-40B4-BE49-F238E27FC236}">
-                <a16:creationId xmlns:a16="http://schemas.microsoft.com/office/drawing/2014/main" id="{365D1CED-FD90-4CD3-B930-D1C5B4C382A6}"/>
-              </a:ext>
-            </a:extLst>
-          </p:cNvPr>
-          <p:cNvSpPr/>
-          <p:nvPr/>
-        </p:nvSpPr>
-        <p:spPr>
-          <a:xfrm>
-            <a:off x="7857074" y="1561801"/>
-            <a:ext cx="3730426" cy="938131"/>
-          </a:xfrm>
-          <a:prstGeom prst="rect">
-            <a:avLst/>
-          </a:prstGeom>
-          <a:solidFill>
-            <a:schemeClr val="accent6">
-              <a:lumMod val="20000"/>
-              <a:lumOff val="80000"/>
-            </a:schemeClr>
-          </a:solidFill>
-          <a:ln w="28575">
-            <a:solidFill>
-              <a:schemeClr val="tx1"/>
-            </a:solidFill>
-          </a:ln>
-        </p:spPr>
-        <p:style>
-          <a:lnRef idx="2">
-            <a:schemeClr val="accent1">
-              <a:shade val="50000"/>
-            </a:schemeClr>
-          </a:lnRef>
-          <a:fillRef idx="1">
-            <a:schemeClr val="accent1"/>
-          </a:fillRef>
-          <a:effectRef idx="0">
-            <a:schemeClr val="accent1"/>
-          </a:effectRef>
-          <a:fontRef idx="minor">
-            <a:schemeClr val="lt1"/>
-          </a:fontRef>
-        </p:style>
-        <p:txBody>
-          <a:bodyPr rot="0" spcFirstLastPara="0" vertOverflow="overflow" horzOverflow="overflow" vert="horz" wrap="square" lIns="72000" tIns="72000" rIns="72000" bIns="72000" numCol="1" spcCol="0" rtlCol="0" fromWordArt="0" anchor="t" anchorCtr="0" forceAA="0" compatLnSpc="1">
-            <a:prstTxWarp prst="textNoShape">
-              <a:avLst/>
-            </a:prstTxWarp>
-            <a:noAutofit/>
-          </a:bodyPr>
-          <a:lstStyle/>
-          <a:p>
-            <a:pPr algn="l">
-              <a:spcAft>
-                <a:spcPts val="300"/>
-              </a:spcAft>
-              <a:buSzPct val="100000"/>
-            </a:pPr>
-            <a:endParaRPr lang="en-US" sz="1200" dirty="0"/>
-          </a:p>
-        </p:txBody>
-      </p:sp>
-      <p:sp>
-        <p:nvSpPr>
-          <p:cNvPr id="9" name="TextBox 8">
-            <a:extLst>
-              <a:ext uri="{FF2B5EF4-FFF2-40B4-BE49-F238E27FC236}">
-                <a16:creationId xmlns:a16="http://schemas.microsoft.com/office/drawing/2014/main" id="{1747B8FD-BFC6-470F-8247-7D0ABB39CB4B}"/>
-              </a:ext>
-            </a:extLst>
-          </p:cNvPr>
-          <p:cNvSpPr txBox="1"/>
-          <p:nvPr/>
-        </p:nvSpPr>
-        <p:spPr>
-          <a:xfrm>
-            <a:off x="8789626" y="1503829"/>
-            <a:ext cx="1716657" cy="430468"/>
-          </a:xfrm>
-          <a:prstGeom prst="rect">
-            <a:avLst/>
-          </a:prstGeom>
-          <a:noFill/>
-        </p:spPr>
-        <p:txBody>
-          <a:bodyPr wrap="none" lIns="72000" tIns="72000" rIns="72000" bIns="72000" rtlCol="0">
-            <a:noAutofit/>
-          </a:bodyPr>
-          <a:lstStyle/>
-          <a:p>
-            <a:pPr algn="ctr">
-              <a:spcAft>
-                <a:spcPts val="300"/>
-              </a:spcAft>
-              <a:buSzPct val="100000"/>
-            </a:pPr>
-            <a:r>
-              <a:rPr lang="en-US" dirty="0"/>
-              <a:t>conv_pool_1</a:t>
-            </a:r>
-          </a:p>
-        </p:txBody>
-      </p:sp>
-      <p:sp>
-        <p:nvSpPr>
-          <p:cNvPr id="10" name="TextBox 9">
-            <a:extLst>
-              <a:ext uri="{FF2B5EF4-FFF2-40B4-BE49-F238E27FC236}">
-                <a16:creationId xmlns:a16="http://schemas.microsoft.com/office/drawing/2014/main" id="{2CF87128-AAF1-43DB-AC27-546AADC82A46}"/>
-              </a:ext>
-            </a:extLst>
-          </p:cNvPr>
-          <p:cNvSpPr txBox="1"/>
-          <p:nvPr/>
-        </p:nvSpPr>
-        <p:spPr>
-          <a:xfrm>
-            <a:off x="9873806" y="1884089"/>
-            <a:ext cx="1587717" cy="519578"/>
-          </a:xfrm>
-          <a:prstGeom prst="rect">
-            <a:avLst/>
-          </a:prstGeom>
-          <a:noFill/>
-          <a:ln w="19050">
-            <a:solidFill>
-              <a:schemeClr val="tx1"/>
-            </a:solidFill>
-          </a:ln>
-        </p:spPr>
-        <p:txBody>
-          <a:bodyPr wrap="square" lIns="72000" tIns="72000" rIns="72000" bIns="72000" rtlCol="0" anchor="ctr">
-            <a:noAutofit/>
-          </a:bodyPr>
-          <a:lstStyle/>
-          <a:p>
-            <a:pPr algn="ctr">
-              <a:spcAft>
-                <a:spcPts val="300"/>
-              </a:spcAft>
-              <a:buSzPct val="100000"/>
-            </a:pPr>
-            <a:r>
-              <a:rPr lang="en-US" sz="1600" dirty="0"/>
-              <a:t>pool_2D</a:t>
-            </a:r>
-          </a:p>
-        </p:txBody>
-      </p:sp>
-      <p:sp>
-        <p:nvSpPr>
-          <p:cNvPr id="11" name="TextBox 10">
-            <a:extLst>
-              <a:ext uri="{FF2B5EF4-FFF2-40B4-BE49-F238E27FC236}">
-                <a16:creationId xmlns:a16="http://schemas.microsoft.com/office/drawing/2014/main" id="{939B04DD-64F9-4D05-9367-1C91B4FC2905}"/>
-              </a:ext>
-            </a:extLst>
-          </p:cNvPr>
-          <p:cNvSpPr txBox="1"/>
-          <p:nvPr/>
-        </p:nvSpPr>
-        <p:spPr>
-          <a:xfrm>
-            <a:off x="9275072" y="382742"/>
-            <a:ext cx="894431" cy="419389"/>
-          </a:xfrm>
-          <a:prstGeom prst="rect">
-            <a:avLst/>
-          </a:prstGeom>
-          <a:noFill/>
-        </p:spPr>
-        <p:txBody>
-          <a:bodyPr wrap="none" lIns="72000" tIns="72000" rIns="72000" bIns="72000" rtlCol="0">
-            <a:noAutofit/>
-          </a:bodyPr>
-          <a:lstStyle/>
-          <a:p>
-            <a:pPr algn="ctr">
-              <a:spcAft>
-                <a:spcPts val="300"/>
-              </a:spcAft>
-              <a:buSzPct val="100000"/>
-            </a:pPr>
-            <a:r>
-              <a:rPr lang="en-US" sz="2000" dirty="0"/>
-              <a:t>Inputs</a:t>
-            </a:r>
-          </a:p>
-        </p:txBody>
-      </p:sp>
-      <p:sp>
-        <p:nvSpPr>
-          <p:cNvPr id="12" name="TextBox 11">
-            <a:extLst>
-              <a:ext uri="{FF2B5EF4-FFF2-40B4-BE49-F238E27FC236}">
-                <a16:creationId xmlns:a16="http://schemas.microsoft.com/office/drawing/2014/main" id="{96BE4BCE-EC29-4DF7-B1BC-6D5130FDBA0B}"/>
-              </a:ext>
-            </a:extLst>
-          </p:cNvPr>
-          <p:cNvSpPr txBox="1"/>
-          <p:nvPr/>
-        </p:nvSpPr>
-        <p:spPr>
-          <a:xfrm>
-            <a:off x="9275072" y="5990117"/>
-            <a:ext cx="1041256" cy="419389"/>
-          </a:xfrm>
-          <a:prstGeom prst="rect">
-            <a:avLst/>
-          </a:prstGeom>
-          <a:noFill/>
-        </p:spPr>
-        <p:txBody>
-          <a:bodyPr wrap="none" lIns="72000" tIns="72000" rIns="72000" bIns="72000" rtlCol="0">
-            <a:noAutofit/>
-          </a:bodyPr>
-          <a:lstStyle/>
-          <a:p>
-            <a:pPr algn="ctr">
-              <a:spcAft>
-                <a:spcPts val="300"/>
-              </a:spcAft>
-              <a:buSzPct val="100000"/>
-            </a:pPr>
-            <a:r>
-              <a:rPr lang="en-US" sz="2000" dirty="0"/>
-              <a:t>Outputs</a:t>
-            </a:r>
-          </a:p>
-        </p:txBody>
-      </p:sp>
-      <p:sp>
-        <p:nvSpPr>
-          <p:cNvPr id="14" name="Arrow: Right 13">
-            <a:extLst>
-              <a:ext uri="{FF2B5EF4-FFF2-40B4-BE49-F238E27FC236}">
-                <a16:creationId xmlns:a16="http://schemas.microsoft.com/office/drawing/2014/main" id="{E03A2072-00EC-42D4-96A4-D4E70D5CA357}"/>
-              </a:ext>
-            </a:extLst>
-          </p:cNvPr>
-          <p:cNvSpPr/>
-          <p:nvPr/>
-        </p:nvSpPr>
-        <p:spPr>
-          <a:xfrm rot="5400000">
-            <a:off x="9557251" y="680794"/>
-            <a:ext cx="419388" cy="632720"/>
-          </a:xfrm>
-          <a:prstGeom prst="rightArrow">
-            <a:avLst/>
-          </a:prstGeom>
-          <a:noFill/>
-          <a:ln w="19050">
-            <a:solidFill>
-              <a:schemeClr val="tx1"/>
-            </a:solidFill>
-          </a:ln>
-        </p:spPr>
-        <p:style>
-          <a:lnRef idx="2">
-            <a:schemeClr val="accent1">
-              <a:shade val="50000"/>
-            </a:schemeClr>
-          </a:lnRef>
-          <a:fillRef idx="1">
-            <a:schemeClr val="accent1"/>
-          </a:fillRef>
-          <a:effectRef idx="0">
-            <a:schemeClr val="accent1"/>
-          </a:effectRef>
-          <a:fontRef idx="minor">
-            <a:schemeClr val="lt1"/>
-          </a:fontRef>
-        </p:style>
-        <p:txBody>
-          <a:bodyPr rot="0" spcFirstLastPara="0" vertOverflow="overflow" horzOverflow="overflow" vert="horz" wrap="square" lIns="72000" tIns="72000" rIns="72000" bIns="72000" numCol="1" spcCol="0" rtlCol="0" fromWordArt="0" anchor="t" anchorCtr="0" forceAA="0" compatLnSpc="1">
-            <a:prstTxWarp prst="textNoShape">
-              <a:avLst/>
-            </a:prstTxWarp>
-            <a:noAutofit/>
-          </a:bodyPr>
-          <a:lstStyle/>
-          <a:p>
-            <a:pPr algn="l">
-              <a:spcAft>
-                <a:spcPts val="300"/>
-              </a:spcAft>
-              <a:buSzPct val="100000"/>
-            </a:pPr>
-            <a:endParaRPr lang="en-US" sz="1200" dirty="0"/>
-          </a:p>
-        </p:txBody>
-      </p:sp>
-      <p:sp>
-        <p:nvSpPr>
-          <p:cNvPr id="15" name="Arrow: Right 14">
-            <a:extLst>
-              <a:ext uri="{FF2B5EF4-FFF2-40B4-BE49-F238E27FC236}">
-                <a16:creationId xmlns:a16="http://schemas.microsoft.com/office/drawing/2014/main" id="{2C97ED74-0EF9-4A0C-B28F-507265D28862}"/>
-              </a:ext>
-            </a:extLst>
-          </p:cNvPr>
-          <p:cNvSpPr/>
-          <p:nvPr/>
-        </p:nvSpPr>
-        <p:spPr>
-          <a:xfrm rot="5400000">
-            <a:off x="9530300" y="5528498"/>
-            <a:ext cx="419388" cy="632720"/>
-          </a:xfrm>
-          <a:prstGeom prst="rightArrow">
-            <a:avLst/>
-          </a:prstGeom>
-          <a:noFill/>
-          <a:ln w="19050">
-            <a:solidFill>
-              <a:schemeClr val="tx1"/>
-            </a:solidFill>
-          </a:ln>
-        </p:spPr>
-        <p:style>
-          <a:lnRef idx="2">
-            <a:schemeClr val="accent1">
-              <a:shade val="50000"/>
-            </a:schemeClr>
-          </a:lnRef>
-          <a:fillRef idx="1">
-            <a:schemeClr val="accent1"/>
-          </a:fillRef>
-          <a:effectRef idx="0">
-            <a:schemeClr val="accent1"/>
-          </a:effectRef>
-          <a:fontRef idx="minor">
-            <a:schemeClr val="lt1"/>
-          </a:fontRef>
-        </p:style>
-        <p:txBody>
-          <a:bodyPr rot="0" spcFirstLastPara="0" vertOverflow="overflow" horzOverflow="overflow" vert="horz" wrap="square" lIns="72000" tIns="72000" rIns="72000" bIns="72000" numCol="1" spcCol="0" rtlCol="0" fromWordArt="0" anchor="t" anchorCtr="0" forceAA="0" compatLnSpc="1">
-            <a:prstTxWarp prst="textNoShape">
-              <a:avLst/>
-            </a:prstTxWarp>
-            <a:noAutofit/>
-          </a:bodyPr>
-          <a:lstStyle/>
-          <a:p>
-            <a:pPr algn="l">
-              <a:spcAft>
-                <a:spcPts val="300"/>
-              </a:spcAft>
-              <a:buSzPct val="100000"/>
-            </a:pPr>
-            <a:endParaRPr lang="en-US" sz="1200" dirty="0"/>
-          </a:p>
-        </p:txBody>
-      </p:sp>
-      <p:sp>
-        <p:nvSpPr>
-          <p:cNvPr id="16" name="TextBox 15">
-            <a:extLst>
-              <a:ext uri="{FF2B5EF4-FFF2-40B4-BE49-F238E27FC236}">
-                <a16:creationId xmlns:a16="http://schemas.microsoft.com/office/drawing/2014/main" id="{A78ECDFC-1170-4BE0-BC3E-27268E933A51}"/>
-              </a:ext>
-            </a:extLst>
-          </p:cNvPr>
-          <p:cNvSpPr txBox="1"/>
-          <p:nvPr/>
-        </p:nvSpPr>
-        <p:spPr>
-          <a:xfrm>
-            <a:off x="7995767" y="1879617"/>
-            <a:ext cx="1587717" cy="519578"/>
-          </a:xfrm>
-          <a:prstGeom prst="rect">
-            <a:avLst/>
-          </a:prstGeom>
-          <a:noFill/>
-          <a:ln w="19050">
-            <a:solidFill>
-              <a:schemeClr val="tx1"/>
-            </a:solidFill>
-          </a:ln>
-        </p:spPr>
-        <p:txBody>
-          <a:bodyPr wrap="square" lIns="72000" tIns="72000" rIns="72000" bIns="72000" rtlCol="0" anchor="ctr">
-            <a:noAutofit/>
-          </a:bodyPr>
-          <a:lstStyle/>
-          <a:p>
-            <a:pPr algn="ctr">
-              <a:spcAft>
-                <a:spcPts val="300"/>
-              </a:spcAft>
-              <a:buSzPct val="100000"/>
-            </a:pPr>
-            <a:r>
-              <a:rPr lang="en-US" sz="1600" dirty="0"/>
-              <a:t>conv_2D</a:t>
-            </a:r>
-          </a:p>
-        </p:txBody>
-      </p:sp>
-      <p:sp>
-        <p:nvSpPr>
-          <p:cNvPr id="17" name="Rectangle 16">
-            <a:extLst>
-              <a:ext uri="{FF2B5EF4-FFF2-40B4-BE49-F238E27FC236}">
-                <a16:creationId xmlns:a16="http://schemas.microsoft.com/office/drawing/2014/main" id="{DFB2EDA4-E436-49C6-A570-B731A9A4997A}"/>
-              </a:ext>
-            </a:extLst>
-          </p:cNvPr>
-          <p:cNvSpPr/>
-          <p:nvPr/>
-        </p:nvSpPr>
-        <p:spPr>
-          <a:xfrm>
-            <a:off x="7857074" y="2713500"/>
-            <a:ext cx="3730426" cy="959180"/>
-          </a:xfrm>
-          <a:prstGeom prst="rect">
-            <a:avLst/>
-          </a:prstGeom>
-          <a:solidFill>
-            <a:schemeClr val="accent6">
-              <a:lumMod val="20000"/>
-              <a:lumOff val="80000"/>
-            </a:schemeClr>
-          </a:solidFill>
-          <a:ln w="28575">
-            <a:solidFill>
-              <a:schemeClr val="tx1"/>
-            </a:solidFill>
-          </a:ln>
-        </p:spPr>
-        <p:style>
-          <a:lnRef idx="2">
-            <a:schemeClr val="accent1">
-              <a:shade val="50000"/>
-            </a:schemeClr>
-          </a:lnRef>
-          <a:fillRef idx="1">
-            <a:schemeClr val="accent1"/>
-          </a:fillRef>
-          <a:effectRef idx="0">
-            <a:schemeClr val="accent1"/>
-          </a:effectRef>
-          <a:fontRef idx="minor">
-            <a:schemeClr val="lt1"/>
-          </a:fontRef>
-        </p:style>
-        <p:txBody>
-          <a:bodyPr rot="0" spcFirstLastPara="0" vertOverflow="overflow" horzOverflow="overflow" vert="horz" wrap="square" lIns="72000" tIns="72000" rIns="72000" bIns="72000" numCol="1" spcCol="0" rtlCol="0" fromWordArt="0" anchor="t" anchorCtr="0" forceAA="0" compatLnSpc="1">
-            <a:prstTxWarp prst="textNoShape">
-              <a:avLst/>
-            </a:prstTxWarp>
-            <a:noAutofit/>
-          </a:bodyPr>
-          <a:lstStyle/>
-          <a:p>
-            <a:pPr algn="l">
-              <a:spcAft>
-                <a:spcPts val="300"/>
-              </a:spcAft>
-              <a:buSzPct val="100000"/>
-            </a:pPr>
-            <a:endParaRPr lang="en-US" sz="1200" dirty="0"/>
-          </a:p>
-        </p:txBody>
-      </p:sp>
-      <p:sp>
-        <p:nvSpPr>
-          <p:cNvPr id="18" name="TextBox 17">
-            <a:extLst>
-              <a:ext uri="{FF2B5EF4-FFF2-40B4-BE49-F238E27FC236}">
-                <a16:creationId xmlns:a16="http://schemas.microsoft.com/office/drawing/2014/main" id="{7ECFA4B7-A961-413C-B21C-0CB7B05B5189}"/>
-              </a:ext>
-            </a:extLst>
-          </p:cNvPr>
-          <p:cNvSpPr txBox="1"/>
-          <p:nvPr/>
-        </p:nvSpPr>
-        <p:spPr>
-          <a:xfrm>
-            <a:off x="8789626" y="2657538"/>
-            <a:ext cx="1716657" cy="430468"/>
-          </a:xfrm>
-          <a:prstGeom prst="rect">
-            <a:avLst/>
-          </a:prstGeom>
-          <a:noFill/>
-        </p:spPr>
-        <p:txBody>
-          <a:bodyPr wrap="none" lIns="72000" tIns="72000" rIns="72000" bIns="72000" rtlCol="0">
-            <a:noAutofit/>
-          </a:bodyPr>
-          <a:lstStyle/>
-          <a:p>
-            <a:pPr algn="ctr">
-              <a:spcAft>
-                <a:spcPts val="300"/>
-              </a:spcAft>
-              <a:buSzPct val="100000"/>
-            </a:pPr>
-            <a:r>
-              <a:rPr lang="en-US" dirty="0"/>
-              <a:t>conv_pool_2</a:t>
-            </a:r>
-          </a:p>
-        </p:txBody>
-      </p:sp>
-      <p:sp>
-        <p:nvSpPr>
-          <p:cNvPr id="19" name="TextBox 18">
-            <a:extLst>
-              <a:ext uri="{FF2B5EF4-FFF2-40B4-BE49-F238E27FC236}">
-                <a16:creationId xmlns:a16="http://schemas.microsoft.com/office/drawing/2014/main" id="{A8079B57-93B5-49CC-A1A4-8668B9992458}"/>
-              </a:ext>
-            </a:extLst>
-          </p:cNvPr>
-          <p:cNvSpPr txBox="1"/>
-          <p:nvPr/>
-        </p:nvSpPr>
-        <p:spPr>
-          <a:xfrm>
-            <a:off x="9873806" y="3056837"/>
-            <a:ext cx="1587717" cy="519578"/>
-          </a:xfrm>
-          <a:prstGeom prst="rect">
-            <a:avLst/>
-          </a:prstGeom>
-          <a:noFill/>
-          <a:ln w="19050">
-            <a:solidFill>
-              <a:schemeClr val="tx1"/>
-            </a:solidFill>
-          </a:ln>
-        </p:spPr>
-        <p:txBody>
-          <a:bodyPr wrap="square" lIns="72000" tIns="72000" rIns="72000" bIns="72000" rtlCol="0" anchor="ctr">
-            <a:noAutofit/>
-          </a:bodyPr>
-          <a:lstStyle/>
-          <a:p>
-            <a:pPr algn="ctr">
-              <a:spcAft>
-                <a:spcPts val="300"/>
-              </a:spcAft>
-              <a:buSzPct val="100000"/>
-            </a:pPr>
-            <a:r>
-              <a:rPr lang="en-US" sz="1600" dirty="0"/>
-              <a:t>pool_2D</a:t>
-            </a:r>
-          </a:p>
-        </p:txBody>
-      </p:sp>
-      <p:sp>
-        <p:nvSpPr>
-          <p:cNvPr id="20" name="TextBox 19">
-            <a:extLst>
-              <a:ext uri="{FF2B5EF4-FFF2-40B4-BE49-F238E27FC236}">
-                <a16:creationId xmlns:a16="http://schemas.microsoft.com/office/drawing/2014/main" id="{FB8D113E-CE8C-4D7C-8817-AE265C012E1F}"/>
-              </a:ext>
-            </a:extLst>
-          </p:cNvPr>
-          <p:cNvSpPr txBox="1"/>
-          <p:nvPr/>
-        </p:nvSpPr>
-        <p:spPr>
-          <a:xfrm>
-            <a:off x="7995767" y="3052365"/>
-            <a:ext cx="1587717" cy="519578"/>
-          </a:xfrm>
-          <a:prstGeom prst="rect">
-            <a:avLst/>
-          </a:prstGeom>
-          <a:noFill/>
-          <a:ln w="19050">
-            <a:solidFill>
-              <a:schemeClr val="tx1"/>
-            </a:solidFill>
-          </a:ln>
-        </p:spPr>
-        <p:txBody>
-          <a:bodyPr wrap="square" lIns="72000" tIns="72000" rIns="72000" bIns="72000" rtlCol="0" anchor="ctr">
-            <a:noAutofit/>
-          </a:bodyPr>
-          <a:lstStyle/>
-          <a:p>
-            <a:pPr algn="ctr">
-              <a:spcAft>
-                <a:spcPts val="300"/>
-              </a:spcAft>
-              <a:buSzPct val="100000"/>
-            </a:pPr>
-            <a:r>
-              <a:rPr lang="en-US" sz="1600" dirty="0"/>
-              <a:t>conv_2D</a:t>
-            </a:r>
-          </a:p>
-        </p:txBody>
-      </p:sp>
-      <p:sp>
-        <p:nvSpPr>
-          <p:cNvPr id="21" name="Rectangle 20">
-            <a:extLst>
-              <a:ext uri="{FF2B5EF4-FFF2-40B4-BE49-F238E27FC236}">
-                <a16:creationId xmlns:a16="http://schemas.microsoft.com/office/drawing/2014/main" id="{D73FCC09-D959-4BDD-841A-2E094C7797C0}"/>
-              </a:ext>
-            </a:extLst>
-          </p:cNvPr>
-          <p:cNvSpPr/>
-          <p:nvPr/>
-        </p:nvSpPr>
-        <p:spPr>
-          <a:xfrm>
-            <a:off x="7857074" y="4374768"/>
-            <a:ext cx="3730426" cy="968121"/>
-          </a:xfrm>
-          <a:prstGeom prst="rect">
-            <a:avLst/>
-          </a:prstGeom>
-          <a:solidFill>
-            <a:schemeClr val="accent6">
-              <a:lumMod val="20000"/>
-              <a:lumOff val="80000"/>
-            </a:schemeClr>
-          </a:solidFill>
-          <a:ln w="28575">
-            <a:solidFill>
-              <a:schemeClr val="tx1"/>
-            </a:solidFill>
-          </a:ln>
-        </p:spPr>
-        <p:style>
-          <a:lnRef idx="2">
-            <a:schemeClr val="accent1">
-              <a:shade val="50000"/>
-            </a:schemeClr>
-          </a:lnRef>
-          <a:fillRef idx="1">
-            <a:schemeClr val="accent1"/>
-          </a:fillRef>
-          <a:effectRef idx="0">
-            <a:schemeClr val="accent1"/>
-          </a:effectRef>
-          <a:fontRef idx="minor">
-            <a:schemeClr val="lt1"/>
-          </a:fontRef>
-        </p:style>
-        <p:txBody>
-          <a:bodyPr rot="0" spcFirstLastPara="0" vertOverflow="overflow" horzOverflow="overflow" vert="horz" wrap="square" lIns="72000" tIns="72000" rIns="72000" bIns="72000" numCol="1" spcCol="0" rtlCol="0" fromWordArt="0" anchor="t" anchorCtr="0" forceAA="0" compatLnSpc="1">
-            <a:prstTxWarp prst="textNoShape">
-              <a:avLst/>
-            </a:prstTxWarp>
-            <a:noAutofit/>
-          </a:bodyPr>
-          <a:lstStyle/>
-          <a:p>
-            <a:pPr algn="l">
-              <a:spcAft>
-                <a:spcPts val="300"/>
-              </a:spcAft>
-              <a:buSzPct val="100000"/>
-            </a:pPr>
-            <a:endParaRPr lang="en-US" sz="1200" dirty="0"/>
-          </a:p>
-        </p:txBody>
-      </p:sp>
-      <p:sp>
-        <p:nvSpPr>
-          <p:cNvPr id="22" name="TextBox 21">
-            <a:extLst>
-              <a:ext uri="{FF2B5EF4-FFF2-40B4-BE49-F238E27FC236}">
-                <a16:creationId xmlns:a16="http://schemas.microsoft.com/office/drawing/2014/main" id="{F4BD8F82-5BAF-4863-BEC3-2DD3E6AC0F4B}"/>
-              </a:ext>
-            </a:extLst>
-          </p:cNvPr>
-          <p:cNvSpPr txBox="1"/>
-          <p:nvPr/>
-        </p:nvSpPr>
-        <p:spPr>
-          <a:xfrm>
-            <a:off x="8789626" y="4339865"/>
-            <a:ext cx="1716657" cy="430468"/>
-          </a:xfrm>
-          <a:prstGeom prst="rect">
-            <a:avLst/>
-          </a:prstGeom>
-          <a:noFill/>
-        </p:spPr>
-        <p:txBody>
-          <a:bodyPr wrap="none" lIns="72000" tIns="72000" rIns="72000" bIns="72000" rtlCol="0">
-            <a:noAutofit/>
-          </a:bodyPr>
-          <a:lstStyle/>
-          <a:p>
-            <a:pPr algn="ctr">
-              <a:spcAft>
-                <a:spcPts val="300"/>
-              </a:spcAft>
-              <a:buSzPct val="100000"/>
-            </a:pPr>
-            <a:r>
-              <a:rPr lang="en-US" dirty="0"/>
-              <a:t>multi_linear</a:t>
-            </a:r>
-          </a:p>
-        </p:txBody>
-      </p:sp>
-      <p:sp>
-        <p:nvSpPr>
-          <p:cNvPr id="23" name="TextBox 22">
-            <a:extLst>
-              <a:ext uri="{FF2B5EF4-FFF2-40B4-BE49-F238E27FC236}">
-                <a16:creationId xmlns:a16="http://schemas.microsoft.com/office/drawing/2014/main" id="{AEEC7F63-D718-4418-80F0-7ABD34212342}"/>
-              </a:ext>
-            </a:extLst>
-          </p:cNvPr>
-          <p:cNvSpPr txBox="1"/>
-          <p:nvPr/>
-        </p:nvSpPr>
-        <p:spPr>
-          <a:xfrm>
-            <a:off x="9873806" y="4727047"/>
-            <a:ext cx="1587717" cy="519578"/>
-          </a:xfrm>
-          <a:prstGeom prst="rect">
-            <a:avLst/>
-          </a:prstGeom>
-          <a:noFill/>
-          <a:ln w="19050">
-            <a:solidFill>
-              <a:schemeClr val="tx1"/>
-            </a:solidFill>
-          </a:ln>
-        </p:spPr>
-        <p:txBody>
-          <a:bodyPr wrap="square" lIns="72000" tIns="72000" rIns="72000" bIns="72000" rtlCol="0" anchor="ctr">
-            <a:noAutofit/>
-          </a:bodyPr>
-          <a:lstStyle/>
-          <a:p>
-            <a:pPr algn="ctr">
-              <a:spcAft>
-                <a:spcPts val="300"/>
-              </a:spcAft>
-              <a:buSzPct val="100000"/>
-            </a:pPr>
-            <a:r>
-              <a:rPr lang="en-US" sz="1600" dirty="0"/>
-              <a:t>linear_2</a:t>
-            </a:r>
-          </a:p>
-        </p:txBody>
-      </p:sp>
-      <p:sp>
-        <p:nvSpPr>
-          <p:cNvPr id="24" name="TextBox 23">
-            <a:extLst>
-              <a:ext uri="{FF2B5EF4-FFF2-40B4-BE49-F238E27FC236}">
-                <a16:creationId xmlns:a16="http://schemas.microsoft.com/office/drawing/2014/main" id="{1DF6ED2B-A0B0-48B4-BE37-C4A25723F5EE}"/>
-              </a:ext>
-            </a:extLst>
-          </p:cNvPr>
-          <p:cNvSpPr txBox="1"/>
-          <p:nvPr/>
-        </p:nvSpPr>
-        <p:spPr>
-          <a:xfrm>
-            <a:off x="7995767" y="4722575"/>
-            <a:ext cx="1587717" cy="519578"/>
-          </a:xfrm>
-          <a:prstGeom prst="rect">
-            <a:avLst/>
-          </a:prstGeom>
-          <a:noFill/>
-          <a:ln w="19050">
-            <a:solidFill>
-              <a:schemeClr val="tx1"/>
-            </a:solidFill>
-          </a:ln>
-        </p:spPr>
-        <p:txBody>
-          <a:bodyPr wrap="square" lIns="72000" tIns="72000" rIns="72000" bIns="72000" rtlCol="0" anchor="ctr">
-            <a:noAutofit/>
-          </a:bodyPr>
-          <a:lstStyle/>
-          <a:p>
-            <a:pPr algn="ctr">
-              <a:spcAft>
-                <a:spcPts val="300"/>
-              </a:spcAft>
-              <a:buSzPct val="100000"/>
-            </a:pPr>
-            <a:r>
-              <a:rPr lang="en-US" sz="1600" dirty="0"/>
-              <a:t>linear_1</a:t>
-            </a:r>
-          </a:p>
-        </p:txBody>
-      </p:sp>
-      <p:sp>
-        <p:nvSpPr>
-          <p:cNvPr id="25" name="Rectangle 24">
-            <a:extLst>
-              <a:ext uri="{FF2B5EF4-FFF2-40B4-BE49-F238E27FC236}">
-                <a16:creationId xmlns:a16="http://schemas.microsoft.com/office/drawing/2014/main" id="{A8AB8C48-5400-4B35-9BFC-ED29D9FC3237}"/>
-              </a:ext>
-            </a:extLst>
-          </p:cNvPr>
-          <p:cNvSpPr/>
-          <p:nvPr/>
-        </p:nvSpPr>
-        <p:spPr>
-          <a:xfrm>
-            <a:off x="7857074" y="3849328"/>
-            <a:ext cx="3730426" cy="348792"/>
-          </a:xfrm>
-          <a:prstGeom prst="rect">
-            <a:avLst/>
-          </a:prstGeom>
-          <a:solidFill>
-            <a:schemeClr val="accent6">
-              <a:lumMod val="20000"/>
-              <a:lumOff val="80000"/>
-            </a:schemeClr>
-          </a:solidFill>
-          <a:ln w="28575">
-            <a:solidFill>
-              <a:schemeClr val="tx1"/>
-            </a:solidFill>
-          </a:ln>
-        </p:spPr>
-        <p:style>
-          <a:lnRef idx="2">
-            <a:schemeClr val="accent1">
-              <a:shade val="50000"/>
-            </a:schemeClr>
-          </a:lnRef>
-          <a:fillRef idx="1">
-            <a:schemeClr val="accent1"/>
-          </a:fillRef>
-          <a:effectRef idx="0">
-            <a:schemeClr val="accent1"/>
-          </a:effectRef>
-          <a:fontRef idx="minor">
-            <a:schemeClr val="lt1"/>
-          </a:fontRef>
-        </p:style>
-        <p:txBody>
-          <a:bodyPr rot="0" spcFirstLastPara="0" vertOverflow="overflow" horzOverflow="overflow" vert="horz" wrap="square" lIns="72000" tIns="72000" rIns="72000" bIns="72000" numCol="1" spcCol="0" rtlCol="0" fromWordArt="0" anchor="ctr" anchorCtr="0" forceAA="0" compatLnSpc="1">
-            <a:prstTxWarp prst="textNoShape">
-              <a:avLst/>
-            </a:prstTxWarp>
-            <a:noAutofit/>
-          </a:bodyPr>
-          <a:lstStyle/>
-          <a:p>
-            <a:pPr algn="ctr">
-              <a:spcAft>
-                <a:spcPts val="300"/>
-              </a:spcAft>
-              <a:buSzPct val="100000"/>
-            </a:pPr>
-            <a:r>
-              <a:rPr lang="en-US" sz="1600" dirty="0">
-                <a:solidFill>
-                  <a:schemeClr val="tx1"/>
-                </a:solidFill>
-              </a:rPr>
-              <a:t>flatten</a:t>
-            </a:r>
-          </a:p>
-        </p:txBody>
-      </p:sp>
-      <p:sp>
-        <p:nvSpPr>
-          <p:cNvPr id="4" name="Left Brace 3">
-            <a:extLst>
-              <a:ext uri="{FF2B5EF4-FFF2-40B4-BE49-F238E27FC236}">
-                <a16:creationId xmlns:a16="http://schemas.microsoft.com/office/drawing/2014/main" id="{EFDA4B62-7CFA-489A-A4B2-A61ED21C0349}"/>
-              </a:ext>
-            </a:extLst>
-          </p:cNvPr>
-          <p:cNvSpPr/>
-          <p:nvPr/>
-        </p:nvSpPr>
-        <p:spPr>
-          <a:xfrm rot="16200000">
-            <a:off x="2583152" y="4089177"/>
-            <a:ext cx="224118" cy="1763420"/>
-          </a:xfrm>
-          <a:prstGeom prst="leftBrace">
-            <a:avLst/>
-          </a:prstGeom>
-          <a:ln w="19050"/>
-        </p:spPr>
-        <p:style>
-          <a:lnRef idx="1">
-            <a:schemeClr val="dk1"/>
-          </a:lnRef>
-          <a:fillRef idx="0">
-            <a:schemeClr val="dk1"/>
-          </a:fillRef>
-          <a:effectRef idx="0">
-            <a:schemeClr val="dk1"/>
-          </a:effectRef>
-          <a:fontRef idx="minor">
-            <a:schemeClr val="tx1"/>
-          </a:fontRef>
-        </p:style>
-        <p:txBody>
-          <a:bodyPr rtlCol="0" anchor="ctr"/>
-          <a:lstStyle/>
-          <a:p>
-            <a:pPr algn="ctr"/>
-            <a:endParaRPr lang="en-US"/>
-          </a:p>
-        </p:txBody>
-      </p:sp>
-      <p:sp>
-        <p:nvSpPr>
-          <p:cNvPr id="26" name="Left Brace 25">
-            <a:extLst>
-              <a:ext uri="{FF2B5EF4-FFF2-40B4-BE49-F238E27FC236}">
-                <a16:creationId xmlns:a16="http://schemas.microsoft.com/office/drawing/2014/main" id="{56EA31E3-C5B3-4EFA-9F69-EBBC6AA9A442}"/>
-              </a:ext>
-            </a:extLst>
-          </p:cNvPr>
-          <p:cNvSpPr/>
-          <p:nvPr/>
-        </p:nvSpPr>
-        <p:spPr>
-          <a:xfrm rot="16200000">
-            <a:off x="4621864" y="4108339"/>
-            <a:ext cx="217168" cy="1726411"/>
-          </a:xfrm>
-          <a:prstGeom prst="leftBrace">
-            <a:avLst/>
-          </a:prstGeom>
-          <a:ln w="19050"/>
-        </p:spPr>
-        <p:style>
-          <a:lnRef idx="1">
-            <a:schemeClr val="dk1"/>
-          </a:lnRef>
-          <a:fillRef idx="0">
-            <a:schemeClr val="dk1"/>
-          </a:fillRef>
-          <a:effectRef idx="0">
-            <a:schemeClr val="dk1"/>
-          </a:effectRef>
-          <a:fontRef idx="minor">
-            <a:schemeClr val="tx1"/>
-          </a:fontRef>
-        </p:style>
-        <p:txBody>
-          <a:bodyPr rtlCol="0" anchor="ctr"/>
-          <a:lstStyle/>
-          <a:p>
-            <a:pPr algn="ctr"/>
-            <a:endParaRPr lang="en-US"/>
-          </a:p>
-        </p:txBody>
-      </p:sp>
-      <p:sp>
-        <p:nvSpPr>
-          <p:cNvPr id="27" name="Left Brace 26">
-            <a:extLst>
-              <a:ext uri="{FF2B5EF4-FFF2-40B4-BE49-F238E27FC236}">
-                <a16:creationId xmlns:a16="http://schemas.microsoft.com/office/drawing/2014/main" id="{4E0D780D-92B4-4674-A383-5E6A377F0896}"/>
-              </a:ext>
-            </a:extLst>
-          </p:cNvPr>
-          <p:cNvSpPr/>
-          <p:nvPr/>
-        </p:nvSpPr>
-        <p:spPr>
-          <a:xfrm rot="16200000">
-            <a:off x="6157188" y="4531302"/>
-            <a:ext cx="224119" cy="887440"/>
-          </a:xfrm>
-          <a:prstGeom prst="leftBrace">
-            <a:avLst/>
-          </a:prstGeom>
-          <a:ln w="19050"/>
-        </p:spPr>
-        <p:style>
-          <a:lnRef idx="1">
-            <a:schemeClr val="dk1"/>
-          </a:lnRef>
-          <a:fillRef idx="0">
-            <a:schemeClr val="dk1"/>
-          </a:fillRef>
-          <a:effectRef idx="0">
-            <a:schemeClr val="dk1"/>
-          </a:effectRef>
-          <a:fontRef idx="minor">
-            <a:schemeClr val="tx1"/>
-          </a:fontRef>
-        </p:style>
-        <p:txBody>
-          <a:bodyPr rtlCol="0" anchor="ctr"/>
-          <a:lstStyle/>
-          <a:p>
-            <a:pPr algn="ctr"/>
-            <a:endParaRPr lang="en-US"/>
-          </a:p>
-        </p:txBody>
-      </p:sp>
-      <p:sp>
-        <p:nvSpPr>
-          <p:cNvPr id="28" name="TextBox 27">
-            <a:extLst>
-              <a:ext uri="{FF2B5EF4-FFF2-40B4-BE49-F238E27FC236}">
-                <a16:creationId xmlns:a16="http://schemas.microsoft.com/office/drawing/2014/main" id="{7410DE48-666B-42E3-B6E3-353604D1E34E}"/>
-              </a:ext>
-            </a:extLst>
-          </p:cNvPr>
-          <p:cNvSpPr txBox="1"/>
-          <p:nvPr/>
-        </p:nvSpPr>
-        <p:spPr>
-          <a:xfrm>
-            <a:off x="1860263" y="5080129"/>
-            <a:ext cx="1716657" cy="430468"/>
-          </a:xfrm>
-          <a:prstGeom prst="rect">
-            <a:avLst/>
-          </a:prstGeom>
-          <a:noFill/>
-        </p:spPr>
-        <p:txBody>
-          <a:bodyPr wrap="none" lIns="72000" tIns="72000" rIns="72000" bIns="72000" rtlCol="0">
-            <a:noAutofit/>
-          </a:bodyPr>
-          <a:lstStyle/>
-          <a:p>
-            <a:pPr algn="ctr">
-              <a:spcAft>
-                <a:spcPts val="300"/>
-              </a:spcAft>
-              <a:buSzPct val="100000"/>
-            </a:pPr>
-            <a:r>
-              <a:rPr lang="en-US" dirty="0"/>
-              <a:t>ConvPool</a:t>
-            </a:r>
-          </a:p>
-        </p:txBody>
-      </p:sp>
-      <p:sp>
-        <p:nvSpPr>
-          <p:cNvPr id="30" name="TextBox 29">
-            <a:extLst>
-              <a:ext uri="{FF2B5EF4-FFF2-40B4-BE49-F238E27FC236}">
-                <a16:creationId xmlns:a16="http://schemas.microsoft.com/office/drawing/2014/main" id="{05F149AD-AD53-405A-AA9E-04610159253C}"/>
-              </a:ext>
-            </a:extLst>
-          </p:cNvPr>
-          <p:cNvSpPr txBox="1"/>
-          <p:nvPr/>
-        </p:nvSpPr>
-        <p:spPr>
-          <a:xfrm>
-            <a:off x="3935622" y="5087082"/>
-            <a:ext cx="1716657" cy="430468"/>
-          </a:xfrm>
-          <a:prstGeom prst="rect">
-            <a:avLst/>
-          </a:prstGeom>
-          <a:noFill/>
-        </p:spPr>
-        <p:txBody>
-          <a:bodyPr wrap="none" lIns="72000" tIns="72000" rIns="72000" bIns="72000" rtlCol="0">
-            <a:noAutofit/>
-          </a:bodyPr>
-          <a:lstStyle/>
-          <a:p>
-            <a:pPr algn="ctr">
-              <a:spcAft>
-                <a:spcPts val="300"/>
-              </a:spcAft>
-              <a:buSzPct val="100000"/>
-            </a:pPr>
-            <a:r>
-              <a:rPr lang="en-US" dirty="0"/>
-              <a:t>ConvPool</a:t>
-            </a:r>
-          </a:p>
-        </p:txBody>
-      </p:sp>
-      <p:sp>
-        <p:nvSpPr>
-          <p:cNvPr id="31" name="TextBox 30">
-            <a:extLst>
-              <a:ext uri="{FF2B5EF4-FFF2-40B4-BE49-F238E27FC236}">
-                <a16:creationId xmlns:a16="http://schemas.microsoft.com/office/drawing/2014/main" id="{DC450E16-19FA-4AA7-A31B-C564C504DF89}"/>
-              </a:ext>
-            </a:extLst>
-          </p:cNvPr>
-          <p:cNvSpPr txBox="1"/>
-          <p:nvPr/>
-        </p:nvSpPr>
-        <p:spPr>
-          <a:xfrm>
-            <a:off x="5351435" y="5087082"/>
-            <a:ext cx="1716657" cy="430468"/>
-          </a:xfrm>
-          <a:prstGeom prst="rect">
-            <a:avLst/>
-          </a:prstGeom>
-          <a:noFill/>
-        </p:spPr>
-        <p:txBody>
-          <a:bodyPr wrap="none" lIns="72000" tIns="72000" rIns="72000" bIns="72000" rtlCol="0">
-            <a:noAutofit/>
-          </a:bodyPr>
-          <a:lstStyle/>
-          <a:p>
-            <a:pPr algn="ctr">
-              <a:spcAft>
-                <a:spcPts val="300"/>
-              </a:spcAft>
-              <a:buSzPct val="100000"/>
-            </a:pPr>
-            <a:r>
-              <a:rPr lang="en-US" dirty="0"/>
-              <a:t>MultiLinear</a:t>
-            </a:r>
-          </a:p>
-        </p:txBody>
-      </p:sp>
-      <p:sp>
-        <p:nvSpPr>
-          <p:cNvPr id="32" name="TextBox 31">
-            <a:extLst>
-              <a:ext uri="{FF2B5EF4-FFF2-40B4-BE49-F238E27FC236}">
-                <a16:creationId xmlns:a16="http://schemas.microsoft.com/office/drawing/2014/main" id="{22007313-E544-48DB-A479-D926EE041F3F}"/>
-              </a:ext>
-            </a:extLst>
-          </p:cNvPr>
-          <p:cNvSpPr txBox="1"/>
-          <p:nvPr/>
-        </p:nvSpPr>
-        <p:spPr>
-          <a:xfrm>
-            <a:off x="6712968" y="2930375"/>
-            <a:ext cx="914400" cy="914400"/>
-          </a:xfrm>
-          <a:prstGeom prst="rect">
-            <a:avLst/>
-          </a:prstGeom>
-          <a:noFill/>
-        </p:spPr>
-        <p:txBody>
-          <a:bodyPr wrap="none" lIns="72000" tIns="72000" rIns="72000" bIns="72000" rtlCol="0">
-            <a:noAutofit/>
-          </a:bodyPr>
-          <a:lstStyle/>
-          <a:p>
-            <a:pPr algn="l">
-              <a:spcAft>
-                <a:spcPts val="300"/>
-              </a:spcAft>
-              <a:buSzPct val="100000"/>
-            </a:pPr>
-            <a:r>
-              <a:rPr lang="en-US" sz="8000" dirty="0"/>
-              <a:t>=</a:t>
-            </a:r>
-          </a:p>
-        </p:txBody>
-      </p:sp>
-    </p:spTree>
-    <p:extLst>
-      <p:ext uri="{BB962C8B-B14F-4D97-AF65-F5344CB8AC3E}">
-        <p14:creationId xmlns:p14="http://schemas.microsoft.com/office/powerpoint/2010/main" val="904569231"/>
-      </p:ext>
-    </p:extLst>
-  </p:cSld>
-  <p:clrMapOvr>
-    <a:masterClrMapping/>
-  </p:clrMapOvr>
-</p:sld>
-</file>
-
-<file path=ppt/slides/slide21.xml><?xml version="1.0" encoding="utf-8"?>
 <p:sld xmlns:a="http://schemas.openxmlformats.org/drawingml/2006/main" xmlns:r="http://schemas.openxmlformats.org/officeDocument/2006/relationships" xmlns:p="http://schemas.openxmlformats.org/presentationml/2006/main">
   <p:cSld>
     <p:spTree>
@@ -14303,7 +14165,7 @@
 </p:sld>
 </file>
 
-<file path=ppt/slides/slide22.xml><?xml version="1.0" encoding="utf-8"?>
+<file path=ppt/slides/slide21.xml><?xml version="1.0" encoding="utf-8"?>
 <p:sld xmlns:a="http://schemas.openxmlformats.org/drawingml/2006/main" xmlns:r="http://schemas.openxmlformats.org/officeDocument/2006/relationships" xmlns:p="http://schemas.openxmlformats.org/presentationml/2006/main">
   <p:cSld>
     <p:spTree>
@@ -15457,6 +15319,201 @@
     <p:extLst>
       <p:ext uri="{BB962C8B-B14F-4D97-AF65-F5344CB8AC3E}">
         <p14:creationId xmlns:p14="http://schemas.microsoft.com/office/powerpoint/2010/main" val="2877315784"/>
+      </p:ext>
+    </p:extLst>
+  </p:cSld>
+  <p:clrMapOvr>
+    <a:masterClrMapping/>
+  </p:clrMapOvr>
+</p:sld>
+</file>
+
+<file path=ppt/slides/slide22.xml><?xml version="1.0" encoding="utf-8"?>
+<p:sld xmlns:a="http://schemas.openxmlformats.org/drawingml/2006/main" xmlns:r="http://schemas.openxmlformats.org/officeDocument/2006/relationships" xmlns:p="http://schemas.openxmlformats.org/presentationml/2006/main">
+  <p:cSld>
+    <p:spTree>
+      <p:nvGrpSpPr>
+        <p:cNvPr id="1" name=""/>
+        <p:cNvGrpSpPr/>
+        <p:nvPr/>
+      </p:nvGrpSpPr>
+      <p:grpSpPr>
+        <a:xfrm>
+          <a:off x="0" y="0"/>
+          <a:ext cx="0" cy="0"/>
+          <a:chOff x="0" y="0"/>
+          <a:chExt cx="0" cy="0"/>
+        </a:xfrm>
+      </p:grpSpPr>
+      <p:sp>
+        <p:nvSpPr>
+          <p:cNvPr id="3" name="Text Placeholder 2">
+            <a:extLst>
+              <a:ext uri="{FF2B5EF4-FFF2-40B4-BE49-F238E27FC236}">
+                <a16:creationId xmlns:a16="http://schemas.microsoft.com/office/drawing/2014/main" id="{3A02FC7B-89F4-47A4-82F7-23AE74151938}"/>
+              </a:ext>
+            </a:extLst>
+          </p:cNvPr>
+          <p:cNvSpPr>
+            <a:spLocks noGrp="1"/>
+          </p:cNvSpPr>
+          <p:nvPr>
+            <p:ph type="body" sz="quarter" idx="12"/>
+          </p:nvPr>
+        </p:nvSpPr>
+        <p:spPr>
+          <a:xfrm>
+            <a:off x="833718" y="507916"/>
+            <a:ext cx="6743693" cy="300664"/>
+          </a:xfrm>
+          <a:prstGeom prst="rect">
+            <a:avLst/>
+          </a:prstGeom>
+        </p:spPr>
+        <p:txBody>
+          <a:bodyPr/>
+          <a:lstStyle/>
+          <a:p>
+            <a:r>
+              <a:rPr lang="en-US" sz="3200" dirty="0"/>
+              <a:t>3. Tensorflow for experts</a:t>
+            </a:r>
+          </a:p>
+        </p:txBody>
+      </p:sp>
+      <p:sp>
+        <p:nvSpPr>
+          <p:cNvPr id="13" name="TextBox 12">
+            <a:extLst>
+              <a:ext uri="{FF2B5EF4-FFF2-40B4-BE49-F238E27FC236}">
+                <a16:creationId xmlns:a16="http://schemas.microsoft.com/office/drawing/2014/main" id="{1F5DFE5C-4663-44DE-8021-C88C9DFD20B9}"/>
+              </a:ext>
+            </a:extLst>
+          </p:cNvPr>
+          <p:cNvSpPr txBox="1"/>
+          <p:nvPr/>
+        </p:nvSpPr>
+        <p:spPr>
+          <a:xfrm>
+            <a:off x="1169384" y="1025379"/>
+            <a:ext cx="8390964" cy="803422"/>
+          </a:xfrm>
+          <a:prstGeom prst="rect">
+            <a:avLst/>
+          </a:prstGeom>
+          <a:noFill/>
+        </p:spPr>
+        <p:txBody>
+          <a:bodyPr wrap="square" lIns="72000" tIns="72000" rIns="72000" bIns="72000" rtlCol="0">
+            <a:noAutofit/>
+          </a:bodyPr>
+          <a:lstStyle/>
+          <a:p>
+            <a:pPr algn="l">
+              <a:spcAft>
+                <a:spcPts val="300"/>
+              </a:spcAft>
+              <a:buSzPct val="100000"/>
+            </a:pPr>
+            <a:r>
+              <a:rPr lang="en-US" sz="2400" dirty="0"/>
+              <a:t>Creating the model using pre-made functions</a:t>
+            </a:r>
+          </a:p>
+        </p:txBody>
+      </p:sp>
+      <p:pic>
+        <p:nvPicPr>
+          <p:cNvPr id="2" name="Picture 1">
+            <a:extLst>
+              <a:ext uri="{FF2B5EF4-FFF2-40B4-BE49-F238E27FC236}">
+                <a16:creationId xmlns:a16="http://schemas.microsoft.com/office/drawing/2014/main" id="{A94E4C0D-1310-4712-A54F-B4D3D7FA8A93}"/>
+              </a:ext>
+            </a:extLst>
+          </p:cNvPr>
+          <p:cNvPicPr>
+            <a:picLocks noChangeAspect="1"/>
+          </p:cNvPicPr>
+          <p:nvPr/>
+        </p:nvPicPr>
+        <p:blipFill>
+          <a:blip r:embed="rId2"/>
+          <a:stretch>
+            <a:fillRect/>
+          </a:stretch>
+        </p:blipFill>
+        <p:spPr>
+          <a:xfrm>
+            <a:off x="1994703" y="1748067"/>
+            <a:ext cx="8202594" cy="1376982"/>
+          </a:xfrm>
+          <a:prstGeom prst="rect">
+            <a:avLst/>
+          </a:prstGeom>
+        </p:spPr>
+      </p:pic>
+      <p:pic>
+        <p:nvPicPr>
+          <p:cNvPr id="5" name="Picture 4">
+            <a:extLst>
+              <a:ext uri="{FF2B5EF4-FFF2-40B4-BE49-F238E27FC236}">
+                <a16:creationId xmlns:a16="http://schemas.microsoft.com/office/drawing/2014/main" id="{1F6D7269-2FB6-4E2E-A771-5EF8B91886EC}"/>
+              </a:ext>
+            </a:extLst>
+          </p:cNvPr>
+          <p:cNvPicPr>
+            <a:picLocks noChangeAspect="1"/>
+          </p:cNvPicPr>
+          <p:nvPr/>
+        </p:nvPicPr>
+        <p:blipFill rotWithShape="1">
+          <a:blip r:embed="rId3"/>
+          <a:srcRect r="11488"/>
+          <a:stretch/>
+        </p:blipFill>
+        <p:spPr>
+          <a:xfrm>
+            <a:off x="247760" y="3289148"/>
+            <a:ext cx="5826527" cy="1573902"/>
+          </a:xfrm>
+          <a:prstGeom prst="rect">
+            <a:avLst/>
+          </a:prstGeom>
+        </p:spPr>
+      </p:pic>
+      <p:pic>
+        <p:nvPicPr>
+          <p:cNvPr id="6" name="Picture 5">
+            <a:extLst>
+              <a:ext uri="{FF2B5EF4-FFF2-40B4-BE49-F238E27FC236}">
+                <a16:creationId xmlns:a16="http://schemas.microsoft.com/office/drawing/2014/main" id="{CEDC289B-F666-4E21-ADFB-5A0C91DBBEBB}"/>
+              </a:ext>
+            </a:extLst>
+          </p:cNvPr>
+          <p:cNvPicPr>
+            <a:picLocks noChangeAspect="1"/>
+          </p:cNvPicPr>
+          <p:nvPr/>
+        </p:nvPicPr>
+        <p:blipFill rotWithShape="1">
+          <a:blip r:embed="rId4"/>
+          <a:srcRect r="16389"/>
+          <a:stretch/>
+        </p:blipFill>
+        <p:spPr>
+          <a:xfrm>
+            <a:off x="6165159" y="3252486"/>
+            <a:ext cx="5741787" cy="3500096"/>
+          </a:xfrm>
+          <a:prstGeom prst="rect">
+            <a:avLst/>
+          </a:prstGeom>
+        </p:spPr>
+      </p:pic>
+    </p:spTree>
+    <p:extLst>
+      <p:ext uri="{BB962C8B-B14F-4D97-AF65-F5344CB8AC3E}">
+        <p14:creationId xmlns:p14="http://schemas.microsoft.com/office/powerpoint/2010/main" val="2673320745"/>
       </p:ext>
     </p:extLst>
   </p:cSld>
@@ -15514,201 +15571,6 @@
           <a:p>
             <a:r>
               <a:rPr lang="en-US" sz="3200" dirty="0"/>
-              <a:t>3. Tensorflow for experts</a:t>
-            </a:r>
-          </a:p>
-        </p:txBody>
-      </p:sp>
-      <p:sp>
-        <p:nvSpPr>
-          <p:cNvPr id="13" name="TextBox 12">
-            <a:extLst>
-              <a:ext uri="{FF2B5EF4-FFF2-40B4-BE49-F238E27FC236}">
-                <a16:creationId xmlns:a16="http://schemas.microsoft.com/office/drawing/2014/main" id="{1F5DFE5C-4663-44DE-8021-C88C9DFD20B9}"/>
-              </a:ext>
-            </a:extLst>
-          </p:cNvPr>
-          <p:cNvSpPr txBox="1"/>
-          <p:nvPr/>
-        </p:nvSpPr>
-        <p:spPr>
-          <a:xfrm>
-            <a:off x="1169384" y="1025379"/>
-            <a:ext cx="8390964" cy="803422"/>
-          </a:xfrm>
-          <a:prstGeom prst="rect">
-            <a:avLst/>
-          </a:prstGeom>
-          <a:noFill/>
-        </p:spPr>
-        <p:txBody>
-          <a:bodyPr wrap="square" lIns="72000" tIns="72000" rIns="72000" bIns="72000" rtlCol="0">
-            <a:noAutofit/>
-          </a:bodyPr>
-          <a:lstStyle/>
-          <a:p>
-            <a:pPr algn="l">
-              <a:spcAft>
-                <a:spcPts val="300"/>
-              </a:spcAft>
-              <a:buSzPct val="100000"/>
-            </a:pPr>
-            <a:r>
-              <a:rPr lang="en-US" sz="2400" dirty="0"/>
-              <a:t>Creating the model using pre-made functions</a:t>
-            </a:r>
-          </a:p>
-        </p:txBody>
-      </p:sp>
-      <p:pic>
-        <p:nvPicPr>
-          <p:cNvPr id="2" name="Picture 1">
-            <a:extLst>
-              <a:ext uri="{FF2B5EF4-FFF2-40B4-BE49-F238E27FC236}">
-                <a16:creationId xmlns:a16="http://schemas.microsoft.com/office/drawing/2014/main" id="{A94E4C0D-1310-4712-A54F-B4D3D7FA8A93}"/>
-              </a:ext>
-            </a:extLst>
-          </p:cNvPr>
-          <p:cNvPicPr>
-            <a:picLocks noChangeAspect="1"/>
-          </p:cNvPicPr>
-          <p:nvPr/>
-        </p:nvPicPr>
-        <p:blipFill>
-          <a:blip r:embed="rId2"/>
-          <a:stretch>
-            <a:fillRect/>
-          </a:stretch>
-        </p:blipFill>
-        <p:spPr>
-          <a:xfrm>
-            <a:off x="1994703" y="1748067"/>
-            <a:ext cx="8202594" cy="1376982"/>
-          </a:xfrm>
-          <a:prstGeom prst="rect">
-            <a:avLst/>
-          </a:prstGeom>
-        </p:spPr>
-      </p:pic>
-      <p:pic>
-        <p:nvPicPr>
-          <p:cNvPr id="5" name="Picture 4">
-            <a:extLst>
-              <a:ext uri="{FF2B5EF4-FFF2-40B4-BE49-F238E27FC236}">
-                <a16:creationId xmlns:a16="http://schemas.microsoft.com/office/drawing/2014/main" id="{1F6D7269-2FB6-4E2E-A771-5EF8B91886EC}"/>
-              </a:ext>
-            </a:extLst>
-          </p:cNvPr>
-          <p:cNvPicPr>
-            <a:picLocks noChangeAspect="1"/>
-          </p:cNvPicPr>
-          <p:nvPr/>
-        </p:nvPicPr>
-        <p:blipFill rotWithShape="1">
-          <a:blip r:embed="rId3"/>
-          <a:srcRect r="11488"/>
-          <a:stretch/>
-        </p:blipFill>
-        <p:spPr>
-          <a:xfrm>
-            <a:off x="247760" y="3289148"/>
-            <a:ext cx="5826527" cy="1573902"/>
-          </a:xfrm>
-          <a:prstGeom prst="rect">
-            <a:avLst/>
-          </a:prstGeom>
-        </p:spPr>
-      </p:pic>
-      <p:pic>
-        <p:nvPicPr>
-          <p:cNvPr id="6" name="Picture 5">
-            <a:extLst>
-              <a:ext uri="{FF2B5EF4-FFF2-40B4-BE49-F238E27FC236}">
-                <a16:creationId xmlns:a16="http://schemas.microsoft.com/office/drawing/2014/main" id="{CEDC289B-F666-4E21-ADFB-5A0C91DBBEBB}"/>
-              </a:ext>
-            </a:extLst>
-          </p:cNvPr>
-          <p:cNvPicPr>
-            <a:picLocks noChangeAspect="1"/>
-          </p:cNvPicPr>
-          <p:nvPr/>
-        </p:nvPicPr>
-        <p:blipFill rotWithShape="1">
-          <a:blip r:embed="rId4"/>
-          <a:srcRect r="16389"/>
-          <a:stretch/>
-        </p:blipFill>
-        <p:spPr>
-          <a:xfrm>
-            <a:off x="6165159" y="3252486"/>
-            <a:ext cx="5741787" cy="3500096"/>
-          </a:xfrm>
-          <a:prstGeom prst="rect">
-            <a:avLst/>
-          </a:prstGeom>
-        </p:spPr>
-      </p:pic>
-    </p:spTree>
-    <p:extLst>
-      <p:ext uri="{BB962C8B-B14F-4D97-AF65-F5344CB8AC3E}">
-        <p14:creationId xmlns:p14="http://schemas.microsoft.com/office/powerpoint/2010/main" val="2673320745"/>
-      </p:ext>
-    </p:extLst>
-  </p:cSld>
-  <p:clrMapOvr>
-    <a:masterClrMapping/>
-  </p:clrMapOvr>
-</p:sld>
-</file>
-
-<file path=ppt/slides/slide24.xml><?xml version="1.0" encoding="utf-8"?>
-<p:sld xmlns:a="http://schemas.openxmlformats.org/drawingml/2006/main" xmlns:r="http://schemas.openxmlformats.org/officeDocument/2006/relationships" xmlns:p="http://schemas.openxmlformats.org/presentationml/2006/main">
-  <p:cSld>
-    <p:spTree>
-      <p:nvGrpSpPr>
-        <p:cNvPr id="1" name=""/>
-        <p:cNvGrpSpPr/>
-        <p:nvPr/>
-      </p:nvGrpSpPr>
-      <p:grpSpPr>
-        <a:xfrm>
-          <a:off x="0" y="0"/>
-          <a:ext cx="0" cy="0"/>
-          <a:chOff x="0" y="0"/>
-          <a:chExt cx="0" cy="0"/>
-        </a:xfrm>
-      </p:grpSpPr>
-      <p:sp>
-        <p:nvSpPr>
-          <p:cNvPr id="3" name="Text Placeholder 2">
-            <a:extLst>
-              <a:ext uri="{FF2B5EF4-FFF2-40B4-BE49-F238E27FC236}">
-                <a16:creationId xmlns:a16="http://schemas.microsoft.com/office/drawing/2014/main" id="{3A02FC7B-89F4-47A4-82F7-23AE74151938}"/>
-              </a:ext>
-            </a:extLst>
-          </p:cNvPr>
-          <p:cNvSpPr>
-            <a:spLocks noGrp="1"/>
-          </p:cNvSpPr>
-          <p:nvPr>
-            <p:ph type="body" sz="quarter" idx="12"/>
-          </p:nvPr>
-        </p:nvSpPr>
-        <p:spPr>
-          <a:xfrm>
-            <a:off x="833718" y="507916"/>
-            <a:ext cx="6743693" cy="300664"/>
-          </a:xfrm>
-          <a:prstGeom prst="rect">
-            <a:avLst/>
-          </a:prstGeom>
-        </p:spPr>
-        <p:txBody>
-          <a:bodyPr/>
-          <a:lstStyle/>
-          <a:p>
-            <a:r>
-              <a:rPr lang="en-US" sz="3200" dirty="0"/>
               <a:t>4. Building a custom training loop</a:t>
             </a:r>
           </a:p>
@@ -20215,7 +20077,7 @@
 </p:sld>
 </file>
 
-<file path=ppt/slides/slide25.xml><?xml version="1.0" encoding="utf-8"?>
+<file path=ppt/slides/slide24.xml><?xml version="1.0" encoding="utf-8"?>
 <p:sld xmlns:a="http://schemas.openxmlformats.org/drawingml/2006/main" xmlns:r="http://schemas.openxmlformats.org/officeDocument/2006/relationships" xmlns:p="http://schemas.openxmlformats.org/presentationml/2006/main">
   <p:cSld>
     <p:spTree>
@@ -20717,7 +20579,7 @@
 </p:sld>
 </file>
 
-<file path=ppt/slides/slide26.xml><?xml version="1.0" encoding="utf-8"?>
+<file path=ppt/slides/slide25.xml><?xml version="1.0" encoding="utf-8"?>
 <p:sld xmlns:a="http://schemas.openxmlformats.org/drawingml/2006/main" xmlns:r="http://schemas.openxmlformats.org/officeDocument/2006/relationships" xmlns:p="http://schemas.openxmlformats.org/presentationml/2006/main">
   <p:cSld>
     <p:spTree>
@@ -20940,7 +20802,7 @@
 </p:sld>
 </file>
 
-<file path=ppt/slides/slide27.xml><?xml version="1.0" encoding="utf-8"?>
+<file path=ppt/slides/slide26.xml><?xml version="1.0" encoding="utf-8"?>
 <p:sld xmlns:a="http://schemas.openxmlformats.org/drawingml/2006/main" xmlns:r="http://schemas.openxmlformats.org/officeDocument/2006/relationships" xmlns:p="http://schemas.openxmlformats.org/presentationml/2006/main">
   <p:cSld>
     <p:spTree>
